--- a/presentation/Automatic traffic signalling system.pptx
+++ b/presentation/Automatic traffic signalling system.pptx
@@ -1,79 +1,41 @@
 
 <file path=ppt/presentation.xml><?xml version="1.0" encoding="utf-8"?>
-<p:presentation xmlns:a="http://schemas.openxmlformats.org/drawingml/2006/main" xmlns:r="http://schemas.openxmlformats.org/officeDocument/2006/relationships" xmlns:p="http://schemas.openxmlformats.org/presentationml/2006/main" saveSubsetFonts="1" embedTrueTypeFonts="true">
+<p:presentation xmlns:a="http://schemas.openxmlformats.org/drawingml/2006/main" xmlns:r="http://schemas.openxmlformats.org/officeDocument/2006/relationships" xmlns:p="http://schemas.openxmlformats.org/presentationml/2006/main" embedTrueTypeFonts="1" saveSubsetFonts="1">
   <p:sldMasterIdLst>
     <p:sldMasterId id="2147483648" r:id="rId1"/>
   </p:sldMasterIdLst>
   <p:sldIdLst>
-    <p:sldId id="256" r:id="rId20"/>
-    <p:sldId id="257" r:id="rId21"/>
-    <p:sldId id="258" r:id="rId22"/>
-    <p:sldId id="259" r:id="rId23"/>
-    <p:sldId id="260" r:id="rId24"/>
-    <p:sldId id="261" r:id="rId25"/>
-    <p:sldId id="262" r:id="rId26"/>
-    <p:sldId id="263" r:id="rId27"/>
-    <p:sldId id="264" r:id="rId28"/>
-    <p:sldId id="265" r:id="rId29"/>
+    <p:sldId id="256" r:id="rId2"/>
+    <p:sldId id="257" r:id="rId3"/>
+    <p:sldId id="258" r:id="rId4"/>
+    <p:sldId id="259" r:id="rId5"/>
+    <p:sldId id="260" r:id="rId6"/>
+    <p:sldId id="261" r:id="rId7"/>
+    <p:sldId id="263" r:id="rId8"/>
+    <p:sldId id="264" r:id="rId9"/>
+    <p:sldId id="265" r:id="rId10"/>
   </p:sldIdLst>
   <p:sldSz cx="18288000" cy="10287000"/>
   <p:notesSz cx="6858000" cy="9144000"/>
   <p:embeddedFontLst>
     <p:embeddedFont>
-      <p:font typeface="Arimo" charset="1" panose="020B0604020202020204"/>
-      <p:regular r:id="rId6"/>
-    </p:embeddedFont>
-    <p:embeddedFont>
-      <p:font typeface="Arimo Bold" charset="1" panose="020B0704020202020204"/>
-      <p:regular r:id="rId7"/>
-    </p:embeddedFont>
-    <p:embeddedFont>
-      <p:font typeface="Arimo Italics" charset="1" panose="020B0604020202090204"/>
-      <p:regular r:id="rId8"/>
-    </p:embeddedFont>
-    <p:embeddedFont>
-      <p:font typeface="Arimo Bold Italics" charset="1" panose="020B0704020202090204"/>
-      <p:regular r:id="rId9"/>
-    </p:embeddedFont>
-    <p:embeddedFont>
-      <p:font typeface="Fredoka One" charset="1" panose="02000000000000000000"/>
-      <p:regular r:id="rId10"/>
-    </p:embeddedFont>
-    <p:embeddedFont>
-      <p:font typeface="Roboto" charset="1" panose="02000000000000000000"/>
+      <p:font typeface="Arimo Bold" panose="020B0604020202020204" charset="0"/>
       <p:regular r:id="rId11"/>
     </p:embeddedFont>
     <p:embeddedFont>
-      <p:font typeface="Roboto Bold" charset="1" panose="02000000000000000000"/>
+      <p:font typeface="Calibri" panose="020F0502020204030204" pitchFamily="34" charset="0"/>
       <p:regular r:id="rId12"/>
+      <p:bold r:id="rId13"/>
+      <p:italic r:id="rId14"/>
+      <p:boldItalic r:id="rId15"/>
     </p:embeddedFont>
     <p:embeddedFont>
-      <p:font typeface="Roboto Italics" charset="1" panose="02000000000000000000"/>
-      <p:regular r:id="rId13"/>
-    </p:embeddedFont>
-    <p:embeddedFont>
-      <p:font typeface="Roboto Bold Italics" charset="1" panose="02000000000000000000"/>
-      <p:regular r:id="rId14"/>
-    </p:embeddedFont>
-    <p:embeddedFont>
-      <p:font typeface="Shrikhand" charset="1" panose="02000000000000000000"/>
-      <p:regular r:id="rId15"/>
-    </p:embeddedFont>
-    <p:embeddedFont>
-      <p:font typeface="RoxboroughCF" charset="1" panose="00000500000000000000"/>
+      <p:font typeface="Roboto" panose="020B0604020202020204" charset="0"/>
       <p:regular r:id="rId16"/>
     </p:embeddedFont>
     <p:embeddedFont>
-      <p:font typeface="RoxboroughCF Bold" charset="1" panose="00000800000000000000"/>
+      <p:font typeface="Roboto Bold" panose="020B0604020202020204" charset="0"/>
       <p:regular r:id="rId17"/>
-    </p:embeddedFont>
-    <p:embeddedFont>
-      <p:font typeface="RoxboroughCF Italics" charset="1" panose="00000500000000000000"/>
-      <p:regular r:id="rId18"/>
-    </p:embeddedFont>
-    <p:embeddedFont>
-      <p:font typeface="RoxboroughCF Bold Italics" charset="1" panose="00000800000000000000"/>
-      <p:regular r:id="rId19"/>
     </p:embeddedFont>
   </p:embeddedFontLst>
   <p:defaultTextStyle>
@@ -171,6 +133,22 @@
       </a:defRPr>
     </a:lvl9pPr>
   </p:defaultTextStyle>
+  <p:extLst>
+    <p:ext uri="{EFAFB233-063F-42B5-8137-9DF3F51BA10A}">
+      <p15:sldGuideLst xmlns:p15="http://schemas.microsoft.com/office/powerpoint/2012/main">
+        <p15:guide id="1" orient="horz" pos="2160">
+          <p15:clr>
+            <a:srgbClr val="A4A3A4"/>
+          </p15:clr>
+        </p15:guide>
+        <p15:guide id="2" pos="2880">
+          <p15:clr>
+            <a:srgbClr val="A4A3A4"/>
+          </p15:clr>
+        </p15:guide>
+      </p15:sldGuideLst>
+    </p:ext>
+  </p:extLst>
 </p:presentation>
 </file>
 
@@ -212,10 +190,9 @@
           <a:lstStyle/>
           <a:p>
             <a:r>
-              <a:rPr lang="en-US" smtClean="0"/>
+              <a:rPr lang="en-US"/>
               <a:t>Click to edit Master title style</a:t>
             </a:r>
-            <a:endParaRPr lang="en-US"/>
           </a:p>
         </p:txBody>
       </p:sp>
@@ -331,10 +308,9 @@
           </a:lstStyle>
           <a:p>
             <a:r>
-              <a:rPr lang="en-US" smtClean="0"/>
+              <a:rPr lang="en-US"/>
               <a:t>Click to edit Master subtitle style</a:t>
             </a:r>
-            <a:endParaRPr lang="en-US"/>
           </a:p>
         </p:txBody>
       </p:sp>
@@ -356,7 +332,7 @@
             <a:fld id="{1D8BD707-D9CF-40AE-B4C6-C98DA3205C09}" type="datetimeFigureOut">
               <a:rPr lang="en-US" smtClean="0"/>
               <a:pPr/>
-              <a:t>8/1/2011</a:t>
+              <a:t>10/1/2021</a:t>
             </a:fld>
             <a:endParaRPr lang="en-US"/>
           </a:p>
@@ -446,10 +422,9 @@
           <a:lstStyle/>
           <a:p>
             <a:r>
-              <a:rPr lang="en-US" smtClean="0"/>
+              <a:rPr lang="en-US"/>
               <a:t>Click to edit Master title style</a:t>
             </a:r>
-            <a:endParaRPr lang="en-US"/>
           </a:p>
         </p:txBody>
       </p:sp>
@@ -470,38 +445,37 @@
           <a:p>
             <a:pPr lvl="0"/>
             <a:r>
-              <a:rPr lang="en-US" smtClean="0"/>
+              <a:rPr lang="en-US"/>
               <a:t>Click to edit Master text styles</a:t>
             </a:r>
           </a:p>
           <a:p>
             <a:pPr lvl="1"/>
             <a:r>
-              <a:rPr lang="en-US" smtClean="0"/>
+              <a:rPr lang="en-US"/>
               <a:t>Second level</a:t>
             </a:r>
           </a:p>
           <a:p>
             <a:pPr lvl="2"/>
             <a:r>
-              <a:rPr lang="en-US" smtClean="0"/>
+              <a:rPr lang="en-US"/>
               <a:t>Third level</a:t>
             </a:r>
           </a:p>
           <a:p>
             <a:pPr lvl="3"/>
             <a:r>
-              <a:rPr lang="en-US" smtClean="0"/>
+              <a:rPr lang="en-US"/>
               <a:t>Fourth level</a:t>
             </a:r>
           </a:p>
           <a:p>
             <a:pPr lvl="4"/>
             <a:r>
-              <a:rPr lang="en-US" smtClean="0"/>
+              <a:rPr lang="en-US"/>
               <a:t>Fifth level</a:t>
             </a:r>
-            <a:endParaRPr lang="en-US"/>
           </a:p>
         </p:txBody>
       </p:sp>
@@ -523,7 +497,7 @@
             <a:fld id="{1D8BD707-D9CF-40AE-B4C6-C98DA3205C09}" type="datetimeFigureOut">
               <a:rPr lang="en-US" smtClean="0"/>
               <a:pPr/>
-              <a:t>8/1/2011</a:t>
+              <a:t>10/1/2021</a:t>
             </a:fld>
             <a:endParaRPr lang="en-US"/>
           </a:p>
@@ -618,10 +592,9 @@
           <a:lstStyle/>
           <a:p>
             <a:r>
-              <a:rPr lang="en-US" smtClean="0"/>
+              <a:rPr lang="en-US"/>
               <a:t>Click to edit Master title style</a:t>
             </a:r>
-            <a:endParaRPr lang="en-US"/>
           </a:p>
         </p:txBody>
       </p:sp>
@@ -647,38 +620,37 @@
           <a:p>
             <a:pPr lvl="0"/>
             <a:r>
-              <a:rPr lang="en-US" smtClean="0"/>
+              <a:rPr lang="en-US"/>
               <a:t>Click to edit Master text styles</a:t>
             </a:r>
           </a:p>
           <a:p>
             <a:pPr lvl="1"/>
             <a:r>
-              <a:rPr lang="en-US" smtClean="0"/>
+              <a:rPr lang="en-US"/>
               <a:t>Second level</a:t>
             </a:r>
           </a:p>
           <a:p>
             <a:pPr lvl="2"/>
             <a:r>
-              <a:rPr lang="en-US" smtClean="0"/>
+              <a:rPr lang="en-US"/>
               <a:t>Third level</a:t>
             </a:r>
           </a:p>
           <a:p>
             <a:pPr lvl="3"/>
             <a:r>
-              <a:rPr lang="en-US" smtClean="0"/>
+              <a:rPr lang="en-US"/>
               <a:t>Fourth level</a:t>
             </a:r>
           </a:p>
           <a:p>
             <a:pPr lvl="4"/>
             <a:r>
-              <a:rPr lang="en-US" smtClean="0"/>
+              <a:rPr lang="en-US"/>
               <a:t>Fifth level</a:t>
             </a:r>
-            <a:endParaRPr lang="en-US"/>
           </a:p>
         </p:txBody>
       </p:sp>
@@ -700,7 +672,7 @@
             <a:fld id="{1D8BD707-D9CF-40AE-B4C6-C98DA3205C09}" type="datetimeFigureOut">
               <a:rPr lang="en-US" smtClean="0"/>
               <a:pPr/>
-              <a:t>8/1/2011</a:t>
+              <a:t>10/1/2021</a:t>
             </a:fld>
             <a:endParaRPr lang="en-US"/>
           </a:p>
@@ -790,10 +762,9 @@
           <a:lstStyle/>
           <a:p>
             <a:r>
-              <a:rPr lang="en-US" smtClean="0"/>
+              <a:rPr lang="en-US"/>
               <a:t>Click to edit Master title style</a:t>
             </a:r>
-            <a:endParaRPr lang="en-US"/>
           </a:p>
         </p:txBody>
       </p:sp>
@@ -814,38 +785,37 @@
           <a:p>
             <a:pPr lvl="0"/>
             <a:r>
-              <a:rPr lang="en-US" smtClean="0"/>
+              <a:rPr lang="en-US"/>
               <a:t>Click to edit Master text styles</a:t>
             </a:r>
           </a:p>
           <a:p>
             <a:pPr lvl="1"/>
             <a:r>
-              <a:rPr lang="en-US" smtClean="0"/>
+              <a:rPr lang="en-US"/>
               <a:t>Second level</a:t>
             </a:r>
           </a:p>
           <a:p>
             <a:pPr lvl="2"/>
             <a:r>
-              <a:rPr lang="en-US" smtClean="0"/>
+              <a:rPr lang="en-US"/>
               <a:t>Third level</a:t>
             </a:r>
           </a:p>
           <a:p>
             <a:pPr lvl="3"/>
             <a:r>
-              <a:rPr lang="en-US" smtClean="0"/>
+              <a:rPr lang="en-US"/>
               <a:t>Fourth level</a:t>
             </a:r>
           </a:p>
           <a:p>
             <a:pPr lvl="4"/>
             <a:r>
-              <a:rPr lang="en-US" smtClean="0"/>
+              <a:rPr lang="en-US"/>
               <a:t>Fifth level</a:t>
             </a:r>
-            <a:endParaRPr lang="en-US"/>
           </a:p>
         </p:txBody>
       </p:sp>
@@ -867,7 +837,7 @@
             <a:fld id="{1D8BD707-D9CF-40AE-B4C6-C98DA3205C09}" type="datetimeFigureOut">
               <a:rPr lang="en-US" smtClean="0"/>
               <a:pPr/>
-              <a:t>8/1/2011</a:t>
+              <a:t>10/1/2021</a:t>
             </a:fld>
             <a:endParaRPr lang="en-US"/>
           </a:p>
@@ -966,10 +936,9 @@
           </a:lstStyle>
           <a:p>
             <a:r>
-              <a:rPr lang="en-US" smtClean="0"/>
+              <a:rPr lang="en-US"/>
               <a:t>Click to edit Master title style</a:t>
             </a:r>
-            <a:endParaRPr lang="en-US"/>
           </a:p>
         </p:txBody>
       </p:sp>
@@ -1086,7 +1055,7 @@
           <a:p>
             <a:pPr lvl="0"/>
             <a:r>
-              <a:rPr lang="en-US" smtClean="0"/>
+              <a:rPr lang="en-US"/>
               <a:t>Click to edit Master text styles</a:t>
             </a:r>
           </a:p>
@@ -1110,7 +1079,7 @@
             <a:fld id="{1D8BD707-D9CF-40AE-B4C6-C98DA3205C09}" type="datetimeFigureOut">
               <a:rPr lang="en-US" smtClean="0"/>
               <a:pPr/>
-              <a:t>8/1/2011</a:t>
+              <a:t>10/1/2021</a:t>
             </a:fld>
             <a:endParaRPr lang="en-US"/>
           </a:p>
@@ -1200,10 +1169,9 @@
           <a:lstStyle/>
           <a:p>
             <a:r>
-              <a:rPr lang="en-US" smtClean="0"/>
+              <a:rPr lang="en-US"/>
               <a:t>Click to edit Master title style</a:t>
             </a:r>
-            <a:endParaRPr lang="en-US"/>
           </a:p>
         </p:txBody>
       </p:sp>
@@ -1257,38 +1225,37 @@
           <a:p>
             <a:pPr lvl="0"/>
             <a:r>
-              <a:rPr lang="en-US" smtClean="0"/>
+              <a:rPr lang="en-US"/>
               <a:t>Click to edit Master text styles</a:t>
             </a:r>
           </a:p>
           <a:p>
             <a:pPr lvl="1"/>
             <a:r>
-              <a:rPr lang="en-US" smtClean="0"/>
+              <a:rPr lang="en-US"/>
               <a:t>Second level</a:t>
             </a:r>
           </a:p>
           <a:p>
             <a:pPr lvl="2"/>
             <a:r>
-              <a:rPr lang="en-US" smtClean="0"/>
+              <a:rPr lang="en-US"/>
               <a:t>Third level</a:t>
             </a:r>
           </a:p>
           <a:p>
             <a:pPr lvl="3"/>
             <a:r>
-              <a:rPr lang="en-US" smtClean="0"/>
+              <a:rPr lang="en-US"/>
               <a:t>Fourth level</a:t>
             </a:r>
           </a:p>
           <a:p>
             <a:pPr lvl="4"/>
             <a:r>
-              <a:rPr lang="en-US" smtClean="0"/>
+              <a:rPr lang="en-US"/>
               <a:t>Fifth level</a:t>
             </a:r>
-            <a:endParaRPr lang="en-US"/>
           </a:p>
         </p:txBody>
       </p:sp>
@@ -1342,38 +1309,37 @@
           <a:p>
             <a:pPr lvl="0"/>
             <a:r>
-              <a:rPr lang="en-US" smtClean="0"/>
+              <a:rPr lang="en-US"/>
               <a:t>Click to edit Master text styles</a:t>
             </a:r>
           </a:p>
           <a:p>
             <a:pPr lvl="1"/>
             <a:r>
-              <a:rPr lang="en-US" smtClean="0"/>
+              <a:rPr lang="en-US"/>
               <a:t>Second level</a:t>
             </a:r>
           </a:p>
           <a:p>
             <a:pPr lvl="2"/>
             <a:r>
-              <a:rPr lang="en-US" smtClean="0"/>
+              <a:rPr lang="en-US"/>
               <a:t>Third level</a:t>
             </a:r>
           </a:p>
           <a:p>
             <a:pPr lvl="3"/>
             <a:r>
-              <a:rPr lang="en-US" smtClean="0"/>
+              <a:rPr lang="en-US"/>
               <a:t>Fourth level</a:t>
             </a:r>
           </a:p>
           <a:p>
             <a:pPr lvl="4"/>
             <a:r>
-              <a:rPr lang="en-US" smtClean="0"/>
+              <a:rPr lang="en-US"/>
               <a:t>Fifth level</a:t>
             </a:r>
-            <a:endParaRPr lang="en-US"/>
           </a:p>
         </p:txBody>
       </p:sp>
@@ -1395,7 +1361,7 @@
             <a:fld id="{1D8BD707-D9CF-40AE-B4C6-C98DA3205C09}" type="datetimeFigureOut">
               <a:rPr lang="en-US" smtClean="0"/>
               <a:pPr/>
-              <a:t>8/1/2011</a:t>
+              <a:t>10/1/2021</a:t>
             </a:fld>
             <a:endParaRPr lang="en-US"/>
           </a:p>
@@ -1489,10 +1455,9 @@
           </a:lstStyle>
           <a:p>
             <a:r>
-              <a:rPr lang="en-US" smtClean="0"/>
+              <a:rPr lang="en-US"/>
               <a:t>Click to edit Master title style</a:t>
             </a:r>
-            <a:endParaRPr lang="en-US"/>
           </a:p>
         </p:txBody>
       </p:sp>
@@ -1555,7 +1520,7 @@
           <a:p>
             <a:pPr lvl="0"/>
             <a:r>
-              <a:rPr lang="en-US" smtClean="0"/>
+              <a:rPr lang="en-US"/>
               <a:t>Click to edit Master text styles</a:t>
             </a:r>
           </a:p>
@@ -1611,38 +1576,37 @@
           <a:p>
             <a:pPr lvl="0"/>
             <a:r>
-              <a:rPr lang="en-US" smtClean="0"/>
+              <a:rPr lang="en-US"/>
               <a:t>Click to edit Master text styles</a:t>
             </a:r>
           </a:p>
           <a:p>
             <a:pPr lvl="1"/>
             <a:r>
-              <a:rPr lang="en-US" smtClean="0"/>
+              <a:rPr lang="en-US"/>
               <a:t>Second level</a:t>
             </a:r>
           </a:p>
           <a:p>
             <a:pPr lvl="2"/>
             <a:r>
-              <a:rPr lang="en-US" smtClean="0"/>
+              <a:rPr lang="en-US"/>
               <a:t>Third level</a:t>
             </a:r>
           </a:p>
           <a:p>
             <a:pPr lvl="3"/>
             <a:r>
-              <a:rPr lang="en-US" smtClean="0"/>
+              <a:rPr lang="en-US"/>
               <a:t>Fourth level</a:t>
             </a:r>
           </a:p>
           <a:p>
             <a:pPr lvl="4"/>
             <a:r>
-              <a:rPr lang="en-US" smtClean="0"/>
+              <a:rPr lang="en-US"/>
               <a:t>Fifth level</a:t>
             </a:r>
-            <a:endParaRPr lang="en-US"/>
           </a:p>
         </p:txBody>
       </p:sp>
@@ -1705,7 +1669,7 @@
           <a:p>
             <a:pPr lvl="0"/>
             <a:r>
-              <a:rPr lang="en-US" smtClean="0"/>
+              <a:rPr lang="en-US"/>
               <a:t>Click to edit Master text styles</a:t>
             </a:r>
           </a:p>
@@ -1761,38 +1725,37 @@
           <a:p>
             <a:pPr lvl="0"/>
             <a:r>
-              <a:rPr lang="en-US" smtClean="0"/>
+              <a:rPr lang="en-US"/>
               <a:t>Click to edit Master text styles</a:t>
             </a:r>
           </a:p>
           <a:p>
             <a:pPr lvl="1"/>
             <a:r>
-              <a:rPr lang="en-US" smtClean="0"/>
+              <a:rPr lang="en-US"/>
               <a:t>Second level</a:t>
             </a:r>
           </a:p>
           <a:p>
             <a:pPr lvl="2"/>
             <a:r>
-              <a:rPr lang="en-US" smtClean="0"/>
+              <a:rPr lang="en-US"/>
               <a:t>Third level</a:t>
             </a:r>
           </a:p>
           <a:p>
             <a:pPr lvl="3"/>
             <a:r>
-              <a:rPr lang="en-US" smtClean="0"/>
+              <a:rPr lang="en-US"/>
               <a:t>Fourth level</a:t>
             </a:r>
           </a:p>
           <a:p>
             <a:pPr lvl="4"/>
             <a:r>
-              <a:rPr lang="en-US" smtClean="0"/>
+              <a:rPr lang="en-US"/>
               <a:t>Fifth level</a:t>
             </a:r>
-            <a:endParaRPr lang="en-US"/>
           </a:p>
         </p:txBody>
       </p:sp>
@@ -1814,7 +1777,7 @@
             <a:fld id="{1D8BD707-D9CF-40AE-B4C6-C98DA3205C09}" type="datetimeFigureOut">
               <a:rPr lang="en-US" smtClean="0"/>
               <a:pPr/>
-              <a:t>8/1/2011</a:t>
+              <a:t>10/1/2021</a:t>
             </a:fld>
             <a:endParaRPr lang="en-US"/>
           </a:p>
@@ -1904,10 +1867,9 @@
           <a:lstStyle/>
           <a:p>
             <a:r>
-              <a:rPr lang="en-US" smtClean="0"/>
+              <a:rPr lang="en-US"/>
               <a:t>Click to edit Master title style</a:t>
             </a:r>
-            <a:endParaRPr lang="en-US"/>
           </a:p>
         </p:txBody>
       </p:sp>
@@ -1929,7 +1891,7 @@
             <a:fld id="{1D8BD707-D9CF-40AE-B4C6-C98DA3205C09}" type="datetimeFigureOut">
               <a:rPr lang="en-US" smtClean="0"/>
               <a:pPr/>
-              <a:t>8/1/2011</a:t>
+              <a:t>10/1/2021</a:t>
             </a:fld>
             <a:endParaRPr lang="en-US"/>
           </a:p>
@@ -2021,7 +1983,7 @@
             <a:fld id="{1D8BD707-D9CF-40AE-B4C6-C98DA3205C09}" type="datetimeFigureOut">
               <a:rPr lang="en-US" smtClean="0"/>
               <a:pPr/>
-              <a:t>8/1/2011</a:t>
+              <a:t>10/1/2021</a:t>
             </a:fld>
             <a:endParaRPr lang="en-US"/>
           </a:p>
@@ -2120,10 +2082,9 @@
           </a:lstStyle>
           <a:p>
             <a:r>
-              <a:rPr lang="en-US" smtClean="0"/>
+              <a:rPr lang="en-US"/>
               <a:t>Click to edit Master title style</a:t>
             </a:r>
-            <a:endParaRPr lang="en-US"/>
           </a:p>
         </p:txBody>
       </p:sp>
@@ -2177,38 +2138,37 @@
           <a:p>
             <a:pPr lvl="0"/>
             <a:r>
-              <a:rPr lang="en-US" smtClean="0"/>
+              <a:rPr lang="en-US"/>
               <a:t>Click to edit Master text styles</a:t>
             </a:r>
           </a:p>
           <a:p>
             <a:pPr lvl="1"/>
             <a:r>
-              <a:rPr lang="en-US" smtClean="0"/>
+              <a:rPr lang="en-US"/>
               <a:t>Second level</a:t>
             </a:r>
           </a:p>
           <a:p>
             <a:pPr lvl="2"/>
             <a:r>
-              <a:rPr lang="en-US" smtClean="0"/>
+              <a:rPr lang="en-US"/>
               <a:t>Third level</a:t>
             </a:r>
           </a:p>
           <a:p>
             <a:pPr lvl="3"/>
             <a:r>
-              <a:rPr lang="en-US" smtClean="0"/>
+              <a:rPr lang="en-US"/>
               <a:t>Fourth level</a:t>
             </a:r>
           </a:p>
           <a:p>
             <a:pPr lvl="4"/>
             <a:r>
-              <a:rPr lang="en-US" smtClean="0"/>
+              <a:rPr lang="en-US"/>
               <a:t>Fifth level</a:t>
             </a:r>
-            <a:endParaRPr lang="en-US"/>
           </a:p>
         </p:txBody>
       </p:sp>
@@ -2271,7 +2231,7 @@
           <a:p>
             <a:pPr lvl="0"/>
             <a:r>
-              <a:rPr lang="en-US" smtClean="0"/>
+              <a:rPr lang="en-US"/>
               <a:t>Click to edit Master text styles</a:t>
             </a:r>
           </a:p>
@@ -2295,7 +2255,7 @@
             <a:fld id="{1D8BD707-D9CF-40AE-B4C6-C98DA3205C09}" type="datetimeFigureOut">
               <a:rPr lang="en-US" smtClean="0"/>
               <a:pPr/>
-              <a:t>8/1/2011</a:t>
+              <a:t>10/1/2021</a:t>
             </a:fld>
             <a:endParaRPr lang="en-US"/>
           </a:p>
@@ -2394,10 +2354,9 @@
           </a:lstStyle>
           <a:p>
             <a:r>
-              <a:rPr lang="en-US" smtClean="0"/>
+              <a:rPr lang="en-US"/>
               <a:t>Click to edit Master title style</a:t>
             </a:r>
-            <a:endParaRPr lang="en-US"/>
           </a:p>
         </p:txBody>
       </p:sp>
@@ -2521,7 +2480,7 @@
           <a:p>
             <a:pPr lvl="0"/>
             <a:r>
-              <a:rPr lang="en-US" smtClean="0"/>
+              <a:rPr lang="en-US"/>
               <a:t>Click to edit Master text styles</a:t>
             </a:r>
           </a:p>
@@ -2545,7 +2504,7 @@
             <a:fld id="{1D8BD707-D9CF-40AE-B4C6-C98DA3205C09}" type="datetimeFigureOut">
               <a:rPr lang="en-US" smtClean="0"/>
               <a:pPr/>
-              <a:t>8/1/2011</a:t>
+              <a:t>10/1/2021</a:t>
             </a:fld>
             <a:endParaRPr lang="en-US"/>
           </a:p>
@@ -2650,10 +2609,9 @@
           <a:lstStyle/>
           <a:p>
             <a:r>
-              <a:rPr lang="en-US" smtClean="0"/>
+              <a:rPr lang="en-US"/>
               <a:t>Click to edit Master title style</a:t>
             </a:r>
-            <a:endParaRPr lang="en-US"/>
           </a:p>
         </p:txBody>
       </p:sp>
@@ -2684,38 +2642,37 @@
           <a:p>
             <a:pPr lvl="0"/>
             <a:r>
-              <a:rPr lang="en-US" smtClean="0"/>
+              <a:rPr lang="en-US"/>
               <a:t>Click to edit Master text styles</a:t>
             </a:r>
           </a:p>
           <a:p>
             <a:pPr lvl="1"/>
             <a:r>
-              <a:rPr lang="en-US" smtClean="0"/>
+              <a:rPr lang="en-US"/>
               <a:t>Second level</a:t>
             </a:r>
           </a:p>
           <a:p>
             <a:pPr lvl="2"/>
             <a:r>
-              <a:rPr lang="en-US" smtClean="0"/>
+              <a:rPr lang="en-US"/>
               <a:t>Third level</a:t>
             </a:r>
           </a:p>
           <a:p>
             <a:pPr lvl="3"/>
             <a:r>
-              <a:rPr lang="en-US" smtClean="0"/>
+              <a:rPr lang="en-US"/>
               <a:t>Fourth level</a:t>
             </a:r>
           </a:p>
           <a:p>
             <a:pPr lvl="4"/>
             <a:r>
-              <a:rPr lang="en-US" smtClean="0"/>
+              <a:rPr lang="en-US"/>
               <a:t>Fifth level</a:t>
             </a:r>
-            <a:endParaRPr lang="en-US"/>
           </a:p>
         </p:txBody>
       </p:sp>
@@ -2755,7 +2712,7 @@
             <a:fld id="{1D8BD707-D9CF-40AE-B4C6-C98DA3205C09}" type="datetimeFigureOut">
               <a:rPr lang="en-US" smtClean="0"/>
               <a:pPr/>
-              <a:t>8/1/2011</a:t>
+              <a:t>10/1/2021</a:t>
             </a:fld>
             <a:endParaRPr lang="en-US"/>
           </a:p>
@@ -3110,7 +3067,7 @@
 </file>
 
 <file path=ppt/slides/slide1.xml><?xml version="1.0" encoding="utf-8"?>
-<p:sld xmlns:p="http://schemas.openxmlformats.org/presentationml/2006/main" xmlns:a="http://schemas.openxmlformats.org/drawingml/2006/main" xmlns:r="http://schemas.openxmlformats.org/officeDocument/2006/relationships">
+<p:sld xmlns:a="http://schemas.openxmlformats.org/drawingml/2006/main" xmlns:r="http://schemas.openxmlformats.org/officeDocument/2006/relationships" xmlns:p="http://schemas.openxmlformats.org/presentationml/2006/main">
   <p:cSld>
     <p:spTree>
       <p:nvGrpSpPr>
@@ -3128,21 +3085,21 @@
       </p:grpSpPr>
       <p:pic>
         <p:nvPicPr>
-          <p:cNvPr name="Picture 2" id="2"/>
+          <p:cNvPr id="2" name="Picture 2"/>
           <p:cNvPicPr>
-            <a:picLocks noChangeAspect="true"/>
+            <a:picLocks noChangeAspect="1"/>
           </p:cNvPicPr>
           <p:nvPr/>
         </p:nvPicPr>
         <p:blipFill>
           <a:blip r:embed="rId2"/>
-          <a:srcRect l="13139" t="0" r="853" b="5838"/>
+          <a:srcRect l="13139" r="853" b="5838"/>
           <a:stretch>
             <a:fillRect/>
           </a:stretch>
         </p:blipFill>
         <p:spPr>
-          <a:xfrm flipH="false" flipV="false" rot="0">
+          <a:xfrm>
             <a:off x="15801674" y="3391158"/>
             <a:ext cx="1742438" cy="3935877"/>
           </a:xfrm>
@@ -3153,21 +3110,21 @@
       </p:pic>
       <p:pic>
         <p:nvPicPr>
-          <p:cNvPr name="Picture 3" id="3"/>
+          <p:cNvPr id="3" name="Picture 3"/>
           <p:cNvPicPr>
-            <a:picLocks noChangeAspect="true"/>
+            <a:picLocks noChangeAspect="1"/>
           </p:cNvPicPr>
           <p:nvPr/>
         </p:nvPicPr>
         <p:blipFill>
           <a:blip r:embed="rId3"/>
-          <a:srcRect l="3159" t="0" r="0" b="35853"/>
+          <a:srcRect l="3159" b="35853"/>
           <a:stretch>
             <a:fillRect/>
           </a:stretch>
         </p:blipFill>
         <p:spPr>
-          <a:xfrm flipH="false" flipV="false" rot="0">
+          <a:xfrm>
             <a:off x="7745331" y="6233516"/>
             <a:ext cx="8723442" cy="4053484"/>
           </a:xfrm>
@@ -3178,12 +3135,12 @@
       </p:pic>
       <p:sp>
         <p:nvSpPr>
-          <p:cNvPr name="TextBox 4" id="4"/>
-          <p:cNvSpPr txBox="true"/>
+          <p:cNvPr id="4" name="TextBox 4"/>
+          <p:cNvSpPr txBox="1"/>
           <p:nvPr/>
         </p:nvSpPr>
         <p:spPr>
-          <a:xfrm rot="0">
+          <a:xfrm>
             <a:off x="0" y="2341694"/>
             <a:ext cx="15490661" cy="2691527"/>
           </a:xfrm>
@@ -3192,7 +3149,7 @@
           </a:prstGeom>
         </p:spPr>
         <p:txBody>
-          <a:bodyPr anchor="t" rtlCol="false" tIns="0" lIns="0" bIns="0" rIns="0">
+          <a:bodyPr lIns="0" tIns="0" rIns="0" bIns="0" rtlCol="0" anchor="t">
             <a:spAutoFit/>
           </a:bodyPr>
           <a:lstStyle/>
@@ -3216,12 +3173,12 @@
       </p:sp>
       <p:grpSp>
         <p:nvGrpSpPr>
-          <p:cNvPr name="Group 5" id="5"/>
+          <p:cNvPr id="5" name="Group 5"/>
           <p:cNvGrpSpPr/>
           <p:nvPr/>
         </p:nvGrpSpPr>
         <p:grpSpPr>
-          <a:xfrm rot="0">
+          <a:xfrm>
             <a:off x="661298" y="682348"/>
             <a:ext cx="367402" cy="346352"/>
             <a:chOff x="0" y="0"/>
@@ -3230,73 +3187,73 @@
         </p:grpSpPr>
         <p:sp>
           <p:nvSpPr>
-            <p:cNvPr name="AutoShape 6" id="6"/>
+            <p:cNvPr id="6" name="AutoShape 6"/>
             <p:cNvSpPr/>
             <p:nvPr/>
           </p:nvSpPr>
           <p:spPr>
-            <a:xfrm rot="0">
+            <a:xfrm>
               <a:off x="0" y="0"/>
               <a:ext cx="489869" cy="0"/>
             </a:xfrm>
             <a:prstGeom prst="line">
               <a:avLst/>
             </a:prstGeom>
-            <a:ln cap="rnd" w="50872">
+            <a:ln w="50872" cap="rnd">
               <a:solidFill>
                 <a:srgbClr val="000000"/>
               </a:solidFill>
               <a:prstDash val="solid"/>
-              <a:headEnd type="none" len="sm" w="sm"/>
-              <a:tailEnd type="none" len="sm" w="sm"/>
+              <a:headEnd type="none" w="sm" len="sm"/>
+              <a:tailEnd type="none" w="sm" len="sm"/>
             </a:ln>
           </p:spPr>
         </p:sp>
         <p:sp>
           <p:nvSpPr>
-            <p:cNvPr name="AutoShape 7" id="7"/>
+            <p:cNvPr id="7" name="AutoShape 7"/>
             <p:cNvSpPr/>
             <p:nvPr/>
           </p:nvSpPr>
           <p:spPr>
-            <a:xfrm rot="0">
+            <a:xfrm>
               <a:off x="0" y="205275"/>
               <a:ext cx="489869" cy="0"/>
             </a:xfrm>
             <a:prstGeom prst="line">
               <a:avLst/>
             </a:prstGeom>
-            <a:ln cap="rnd" w="50872">
+            <a:ln w="50872" cap="rnd">
               <a:solidFill>
                 <a:srgbClr val="000000"/>
               </a:solidFill>
               <a:prstDash val="solid"/>
-              <a:headEnd type="none" len="sm" w="sm"/>
-              <a:tailEnd type="none" len="sm" w="sm"/>
+              <a:headEnd type="none" w="sm" len="sm"/>
+              <a:tailEnd type="none" w="sm" len="sm"/>
             </a:ln>
           </p:spPr>
         </p:sp>
         <p:sp>
           <p:nvSpPr>
-            <p:cNvPr name="AutoShape 8" id="8"/>
+            <p:cNvPr id="8" name="AutoShape 8"/>
             <p:cNvSpPr/>
             <p:nvPr/>
           </p:nvSpPr>
           <p:spPr>
-            <a:xfrm rot="0">
+            <a:xfrm>
               <a:off x="0" y="410931"/>
               <a:ext cx="489869" cy="0"/>
             </a:xfrm>
             <a:prstGeom prst="line">
               <a:avLst/>
             </a:prstGeom>
-            <a:ln cap="rnd" w="50872">
+            <a:ln w="50872" cap="rnd">
               <a:solidFill>
                 <a:srgbClr val="000000"/>
               </a:solidFill>
               <a:prstDash val="solid"/>
-              <a:headEnd type="none" len="sm" w="sm"/>
-              <a:tailEnd type="none" len="sm" w="sm"/>
+              <a:headEnd type="none" w="sm" len="sm"/>
+              <a:tailEnd type="none" w="sm" len="sm"/>
             </a:ln>
           </p:spPr>
         </p:sp>
@@ -3309,8 +3266,8 @@
 </p:sld>
 </file>
 
-<file path=ppt/slides/slide10.xml><?xml version="1.0" encoding="utf-8"?>
-<p:sld xmlns:p="http://schemas.openxmlformats.org/presentationml/2006/main" xmlns:a="http://schemas.openxmlformats.org/drawingml/2006/main" xmlns:r="http://schemas.openxmlformats.org/officeDocument/2006/relationships">
+<file path=ppt/slides/slide2.xml><?xml version="1.0" encoding="utf-8"?>
+<p:sld xmlns:a="http://schemas.openxmlformats.org/drawingml/2006/main" xmlns:r="http://schemas.openxmlformats.org/officeDocument/2006/relationships" xmlns:p="http://schemas.openxmlformats.org/presentationml/2006/main">
   <p:cSld>
     <p:spTree>
       <p:nvGrpSpPr>
@@ -3326,189 +3283,23 @@
           <a:chExt cx="0" cy="0"/>
         </a:xfrm>
       </p:grpSpPr>
-      <p:pic>
-        <p:nvPicPr>
-          <p:cNvPr name="Picture 2" id="2"/>
-          <p:cNvPicPr>
-            <a:picLocks noChangeAspect="true"/>
-          </p:cNvPicPr>
+      <p:sp>
+        <p:nvSpPr>
+          <p:cNvPr id="2" name="TextBox 2"/>
+          <p:cNvSpPr txBox="1"/>
           <p:nvPr/>
-        </p:nvPicPr>
-        <p:blipFill>
-          <a:blip r:embed="rId2"/>
-          <a:srcRect l="4238" t="0" r="5695" b="16906"/>
-          <a:stretch>
-            <a:fillRect/>
-          </a:stretch>
-        </p:blipFill>
+        </p:nvSpPr>
         <p:spPr>
-          <a:xfrm flipH="false" flipV="false" rot="0">
-            <a:off x="10118534" y="5682795"/>
-            <a:ext cx="7140766" cy="4604205"/>
+          <a:xfrm>
+            <a:off x="597506" y="4225237"/>
+            <a:ext cx="6436125" cy="2691527"/>
           </a:xfrm>
           <a:prstGeom prst="rect">
             <a:avLst/>
           </a:prstGeom>
         </p:spPr>
-      </p:pic>
-      <p:pic>
-        <p:nvPicPr>
-          <p:cNvPr name="Picture 3" id="3"/>
-          <p:cNvPicPr>
-            <a:picLocks noChangeAspect="true"/>
-          </p:cNvPicPr>
-          <p:nvPr/>
-        </p:nvPicPr>
-        <p:blipFill>
-          <a:blip r:embed="rId3"/>
-          <a:srcRect l="19869" t="3076" r="21129" b="7302"/>
-          <a:stretch>
-            <a:fillRect/>
-          </a:stretch>
-        </p:blipFill>
-        <p:spPr>
-          <a:xfrm flipH="false" flipV="false" rot="300746">
-            <a:off x="16335314" y="1152065"/>
-            <a:ext cx="1847973" cy="4650731"/>
-          </a:xfrm>
-          <a:prstGeom prst="rect">
-            <a:avLst/>
-          </a:prstGeom>
-        </p:spPr>
-      </p:pic>
-      <p:grpSp>
-        <p:nvGrpSpPr>
-          <p:cNvPr name="Group 4" id="4"/>
-          <p:cNvGrpSpPr/>
-          <p:nvPr/>
-        </p:nvGrpSpPr>
-        <p:grpSpPr>
-          <a:xfrm rot="0">
-            <a:off x="2855742" y="2955563"/>
-            <a:ext cx="9444385" cy="2209448"/>
-            <a:chOff x="0" y="0"/>
-            <a:chExt cx="12592514" cy="2945930"/>
-          </a:xfrm>
-        </p:grpSpPr>
-        <p:sp>
-          <p:nvSpPr>
-            <p:cNvPr name="TextBox 5" id="5"/>
-            <p:cNvSpPr txBox="true"/>
-            <p:nvPr/>
-          </p:nvSpPr>
-          <p:spPr>
-            <a:xfrm rot="0">
-              <a:off x="0" y="-9525"/>
-              <a:ext cx="12592514" cy="1878806"/>
-            </a:xfrm>
-            <a:prstGeom prst="rect">
-              <a:avLst/>
-            </a:prstGeom>
-          </p:spPr>
-          <p:txBody>
-            <a:bodyPr anchor="t" rtlCol="false" tIns="0" lIns="0" bIns="0" rIns="0">
-              <a:spAutoFit/>
-            </a:bodyPr>
-            <a:lstStyle/>
-            <a:p>
-              <a:pPr algn="ctr">
-                <a:lnSpc>
-                  <a:spcPts val="11039"/>
-                </a:lnSpc>
-              </a:pPr>
-              <a:r>
-                <a:rPr lang="en-US" sz="9199">
-                  <a:solidFill>
-                    <a:srgbClr val="000000"/>
-                  </a:solidFill>
-                  <a:latin typeface="Roboto Bold"/>
-                </a:rPr>
-                <a:t>Thank you!</a:t>
-              </a:r>
-            </a:p>
-          </p:txBody>
-        </p:sp>
-        <p:sp>
-          <p:nvSpPr>
-            <p:cNvPr name="TextBox 6" id="6"/>
-            <p:cNvSpPr txBox="true"/>
-            <p:nvPr/>
-          </p:nvSpPr>
-          <p:spPr>
-            <a:xfrm rot="0">
-              <a:off x="0" y="2206208"/>
-              <a:ext cx="12592514" cy="739722"/>
-            </a:xfrm>
-            <a:prstGeom prst="rect">
-              <a:avLst/>
-            </a:prstGeom>
-          </p:spPr>
-          <p:txBody>
-            <a:bodyPr anchor="t" rtlCol="false" tIns="0" lIns="0" bIns="0" rIns="0">
-              <a:spAutoFit/>
-            </a:bodyPr>
-            <a:lstStyle/>
-            <a:p>
-              <a:pPr algn="ctr">
-                <a:lnSpc>
-                  <a:spcPts val="4550"/>
-                </a:lnSpc>
-              </a:pPr>
-              <a:r>
-                <a:rPr lang="en-US" sz="3500">
-                  <a:solidFill>
-                    <a:srgbClr val="10970E"/>
-                  </a:solidFill>
-                  <a:latin typeface="RoxboroughCF"/>
-                </a:rPr>
-                <a:t>Do you have any questions for us?</a:t>
-              </a:r>
-            </a:p>
-          </p:txBody>
-        </p:sp>
-      </p:grpSp>
-    </p:spTree>
-  </p:cSld>
-  <p:clrMapOvr>
-    <a:masterClrMapping/>
-  </p:clrMapOvr>
-</p:sld>
-</file>
-
-<file path=ppt/slides/slide2.xml><?xml version="1.0" encoding="utf-8"?>
-<p:sld xmlns:p="http://schemas.openxmlformats.org/presentationml/2006/main" xmlns:a="http://schemas.openxmlformats.org/drawingml/2006/main">
-  <p:cSld>
-    <p:spTree>
-      <p:nvGrpSpPr>
-        <p:cNvPr id="1" name=""/>
-        <p:cNvGrpSpPr/>
-        <p:nvPr/>
-      </p:nvGrpSpPr>
-      <p:grpSpPr>
-        <a:xfrm>
-          <a:off x="0" y="0"/>
-          <a:ext cx="0" cy="0"/>
-          <a:chOff x="0" y="0"/>
-          <a:chExt cx="0" cy="0"/>
-        </a:xfrm>
-      </p:grpSpPr>
-      <p:sp>
-        <p:nvSpPr>
-          <p:cNvPr name="TextBox 2" id="2"/>
-          <p:cNvSpPr txBox="true"/>
-          <p:nvPr/>
-        </p:nvSpPr>
-        <p:spPr>
-          <a:xfrm rot="0">
-            <a:off x="597506" y="4225237"/>
-            <a:ext cx="6436125" cy="2691527"/>
-          </a:xfrm>
-          <a:prstGeom prst="rect">
-            <a:avLst/>
-          </a:prstGeom>
-        </p:spPr>
-        <p:txBody>
-          <a:bodyPr anchor="t" rtlCol="false" tIns="0" lIns="0" bIns="0" rIns="0">
+        <p:txBody>
+          <a:bodyPr lIns="0" tIns="0" rIns="0" bIns="0" rtlCol="0" anchor="t">
             <a:spAutoFit/>
           </a:bodyPr>
           <a:lstStyle/>
@@ -3532,12 +3323,12 @@
       </p:sp>
       <p:grpSp>
         <p:nvGrpSpPr>
-          <p:cNvPr name="Group 3" id="3"/>
+          <p:cNvPr id="3" name="Group 3"/>
           <p:cNvGrpSpPr/>
           <p:nvPr/>
         </p:nvGrpSpPr>
         <p:grpSpPr>
-          <a:xfrm rot="0">
+          <a:xfrm>
             <a:off x="6028113" y="2709286"/>
             <a:ext cx="11699273" cy="2527683"/>
             <a:chOff x="0" y="0"/>
@@ -3546,12 +3337,12 @@
         </p:grpSpPr>
         <p:grpSp>
           <p:nvGrpSpPr>
-            <p:cNvPr name="Group 4" id="4"/>
+            <p:cNvPr id="4" name="Group 4"/>
             <p:cNvGrpSpPr/>
             <p:nvPr/>
           </p:nvGrpSpPr>
           <p:grpSpPr>
-            <a:xfrm rot="0">
+            <a:xfrm>
               <a:off x="0" y="0"/>
               <a:ext cx="15599031" cy="3370244"/>
               <a:chOff x="0" y="0"/>
@@ -3560,7 +3351,7 @@
           </p:grpSpPr>
           <p:sp>
             <p:nvSpPr>
-              <p:cNvPr name="Freeform 5" id="5"/>
+              <p:cNvPr id="5" name="Freeform 5"/>
               <p:cNvSpPr/>
               <p:nvPr/>
             </p:nvSpPr>
@@ -3574,9 +3365,9 @@
                 <a:gdLst/>
                 <a:ahLst/>
                 <a:cxnLst/>
-                <a:rect r="r" b="b" t="t" l="l"/>
+                <a:rect l="l" t="t" r="r" b="b"/>
                 <a:pathLst>
-                  <a:path h="975050" w="4512977">
+                  <a:path w="4512977" h="975050">
                     <a:moveTo>
                       <a:pt x="4388517" y="975050"/>
                     </a:moveTo>
@@ -3624,12 +3415,12 @@
         </p:grpSp>
         <p:sp>
           <p:nvSpPr>
-            <p:cNvPr name="TextBox 6" id="6"/>
-            <p:cNvSpPr txBox="true"/>
+            <p:cNvPr id="6" name="TextBox 6"/>
+            <p:cNvSpPr txBox="1"/>
             <p:nvPr/>
           </p:nvSpPr>
           <p:spPr>
-            <a:xfrm rot="0">
+            <a:xfrm>
               <a:off x="1008693" y="320591"/>
               <a:ext cx="13290393" cy="936605"/>
             </a:xfrm>
@@ -3638,7 +3429,7 @@
             </a:prstGeom>
           </p:spPr>
           <p:txBody>
-            <a:bodyPr anchor="t" rtlCol="false" tIns="0" lIns="0" bIns="0" rIns="0">
+            <a:bodyPr lIns="0" tIns="0" rIns="0" bIns="0" rtlCol="0" anchor="t">
               <a:spAutoFit/>
             </a:bodyPr>
             <a:lstStyle/>
@@ -3648,18 +3439,19 @@
                   <a:spcPts val="5748"/>
                 </a:lnSpc>
               </a:pPr>
+              <a:endParaRPr/>
             </a:p>
           </p:txBody>
         </p:sp>
       </p:grpSp>
       <p:grpSp>
         <p:nvGrpSpPr>
-          <p:cNvPr name="Group 7" id="7"/>
+          <p:cNvPr id="7" name="Group 7"/>
           <p:cNvGrpSpPr/>
           <p:nvPr/>
         </p:nvGrpSpPr>
         <p:grpSpPr>
-          <a:xfrm rot="0">
+          <a:xfrm>
             <a:off x="6028113" y="5974683"/>
             <a:ext cx="11699273" cy="2527683"/>
             <a:chOff x="0" y="0"/>
@@ -3668,12 +3460,12 @@
         </p:grpSpPr>
         <p:grpSp>
           <p:nvGrpSpPr>
-            <p:cNvPr name="Group 8" id="8"/>
+            <p:cNvPr id="8" name="Group 8"/>
             <p:cNvGrpSpPr/>
             <p:nvPr/>
           </p:nvGrpSpPr>
           <p:grpSpPr>
-            <a:xfrm rot="0">
+            <a:xfrm>
               <a:off x="0" y="0"/>
               <a:ext cx="15599031" cy="3370244"/>
               <a:chOff x="0" y="0"/>
@@ -3682,7 +3474,7 @@
           </p:grpSpPr>
           <p:sp>
             <p:nvSpPr>
-              <p:cNvPr name="Freeform 9" id="9"/>
+              <p:cNvPr id="9" name="Freeform 9"/>
               <p:cNvSpPr/>
               <p:nvPr/>
             </p:nvSpPr>
@@ -3696,9 +3488,9 @@
                 <a:gdLst/>
                 <a:ahLst/>
                 <a:cxnLst/>
-                <a:rect r="r" b="b" t="t" l="l"/>
+                <a:rect l="l" t="t" r="r" b="b"/>
                 <a:pathLst>
-                  <a:path h="975050" w="4512977">
+                  <a:path w="4512977" h="975050">
                     <a:moveTo>
                       <a:pt x="4388517" y="975050"/>
                     </a:moveTo>
@@ -3746,12 +3538,12 @@
         </p:grpSp>
         <p:sp>
           <p:nvSpPr>
-            <p:cNvPr name="TextBox 10" id="10"/>
-            <p:cNvSpPr txBox="true"/>
+            <p:cNvPr id="10" name="TextBox 10"/>
+            <p:cNvSpPr txBox="1"/>
             <p:nvPr/>
           </p:nvSpPr>
           <p:spPr>
-            <a:xfrm rot="0">
+            <a:xfrm>
               <a:off x="1008693" y="320591"/>
               <a:ext cx="13290393" cy="936605"/>
             </a:xfrm>
@@ -3760,7 +3552,7 @@
             </a:prstGeom>
           </p:spPr>
           <p:txBody>
-            <a:bodyPr anchor="t" rtlCol="false" tIns="0" lIns="0" bIns="0" rIns="0">
+            <a:bodyPr lIns="0" tIns="0" rIns="0" bIns="0" rtlCol="0" anchor="t">
               <a:spAutoFit/>
             </a:bodyPr>
             <a:lstStyle/>
@@ -3770,18 +3562,19 @@
                   <a:spcPts val="5748"/>
                 </a:lnSpc>
               </a:pPr>
+              <a:endParaRPr/>
             </a:p>
           </p:txBody>
         </p:sp>
       </p:grpSp>
       <p:grpSp>
         <p:nvGrpSpPr>
-          <p:cNvPr name="Group 11" id="11"/>
+          <p:cNvPr id="11" name="Group 11"/>
           <p:cNvGrpSpPr/>
           <p:nvPr/>
         </p:nvGrpSpPr>
         <p:grpSpPr>
-          <a:xfrm rot="0">
+          <a:xfrm>
             <a:off x="597506" y="682348"/>
             <a:ext cx="367402" cy="346352"/>
             <a:chOff x="0" y="0"/>
@@ -3790,85 +3583,85 @@
         </p:grpSpPr>
         <p:sp>
           <p:nvSpPr>
-            <p:cNvPr name="AutoShape 12" id="12"/>
+            <p:cNvPr id="12" name="AutoShape 12"/>
             <p:cNvSpPr/>
             <p:nvPr/>
           </p:nvSpPr>
           <p:spPr>
-            <a:xfrm rot="0">
+            <a:xfrm>
               <a:off x="0" y="0"/>
               <a:ext cx="489869" cy="0"/>
             </a:xfrm>
             <a:prstGeom prst="line">
               <a:avLst/>
             </a:prstGeom>
-            <a:ln cap="rnd" w="50872">
+            <a:ln w="50872" cap="rnd">
               <a:solidFill>
                 <a:srgbClr val="000000"/>
               </a:solidFill>
               <a:prstDash val="solid"/>
-              <a:headEnd type="none" len="sm" w="sm"/>
-              <a:tailEnd type="none" len="sm" w="sm"/>
+              <a:headEnd type="none" w="sm" len="sm"/>
+              <a:tailEnd type="none" w="sm" len="sm"/>
             </a:ln>
           </p:spPr>
         </p:sp>
         <p:sp>
           <p:nvSpPr>
-            <p:cNvPr name="AutoShape 13" id="13"/>
+            <p:cNvPr id="13" name="AutoShape 13"/>
             <p:cNvSpPr/>
             <p:nvPr/>
           </p:nvSpPr>
           <p:spPr>
-            <a:xfrm rot="0">
+            <a:xfrm>
               <a:off x="0" y="205275"/>
               <a:ext cx="489869" cy="0"/>
             </a:xfrm>
             <a:prstGeom prst="line">
               <a:avLst/>
             </a:prstGeom>
-            <a:ln cap="rnd" w="50872">
+            <a:ln w="50872" cap="rnd">
               <a:solidFill>
                 <a:srgbClr val="000000"/>
               </a:solidFill>
               <a:prstDash val="solid"/>
-              <a:headEnd type="none" len="sm" w="sm"/>
-              <a:tailEnd type="none" len="sm" w="sm"/>
+              <a:headEnd type="none" w="sm" len="sm"/>
+              <a:tailEnd type="none" w="sm" len="sm"/>
             </a:ln>
           </p:spPr>
         </p:sp>
         <p:sp>
           <p:nvSpPr>
-            <p:cNvPr name="AutoShape 14" id="14"/>
+            <p:cNvPr id="14" name="AutoShape 14"/>
             <p:cNvSpPr/>
             <p:nvPr/>
           </p:nvSpPr>
           <p:spPr>
-            <a:xfrm rot="0">
+            <a:xfrm>
               <a:off x="0" y="410931"/>
               <a:ext cx="489869" cy="0"/>
             </a:xfrm>
             <a:prstGeom prst="line">
               <a:avLst/>
             </a:prstGeom>
-            <a:ln cap="rnd" w="50872">
+            <a:ln w="50872" cap="rnd">
               <a:solidFill>
                 <a:srgbClr val="000000"/>
               </a:solidFill>
               <a:prstDash val="solid"/>
-              <a:headEnd type="none" len="sm" w="sm"/>
-              <a:tailEnd type="none" len="sm" w="sm"/>
+              <a:headEnd type="none" w="sm" len="sm"/>
+              <a:tailEnd type="none" w="sm" len="sm"/>
             </a:ln>
           </p:spPr>
         </p:sp>
       </p:grpSp>
       <p:sp>
         <p:nvSpPr>
-          <p:cNvPr name="TextBox 15" id="15"/>
-          <p:cNvSpPr txBox="true"/>
+          <p:cNvPr id="15" name="TextBox 15"/>
+          <p:cNvSpPr txBox="1"/>
           <p:nvPr/>
         </p:nvSpPr>
         <p:spPr>
-          <a:xfrm rot="0">
+          <a:xfrm>
             <a:off x="6028113" y="3372302"/>
             <a:ext cx="11699273" cy="1063546"/>
           </a:xfrm>
@@ -3877,7 +3670,7 @@
           </a:prstGeom>
         </p:spPr>
         <p:txBody>
-          <a:bodyPr anchor="t" rtlCol="false" tIns="0" lIns="0" bIns="0" rIns="0">
+          <a:bodyPr lIns="0" tIns="0" rIns="0" bIns="0" rtlCol="0" anchor="t">
             <a:spAutoFit/>
           </a:bodyPr>
           <a:lstStyle/>
@@ -3904,12 +3697,12 @@
       </p:sp>
       <p:sp>
         <p:nvSpPr>
-          <p:cNvPr name="TextBox 16" id="16"/>
-          <p:cNvSpPr txBox="true"/>
+          <p:cNvPr id="16" name="TextBox 16"/>
+          <p:cNvSpPr txBox="1"/>
           <p:nvPr/>
         </p:nvSpPr>
         <p:spPr>
-          <a:xfrm rot="0">
+          <a:xfrm>
             <a:off x="6028113" y="6651769"/>
             <a:ext cx="11461798" cy="1063546"/>
           </a:xfrm>
@@ -3918,7 +3711,7 @@
           </a:prstGeom>
         </p:spPr>
         <p:txBody>
-          <a:bodyPr anchor="t" rtlCol="false" tIns="0" lIns="0" bIns="0" rIns="0">
+          <a:bodyPr lIns="0" tIns="0" rIns="0" bIns="0" rtlCol="0" anchor="t">
             <a:spAutoFit/>
           </a:bodyPr>
           <a:lstStyle/>
@@ -3952,7 +3745,7 @@
 </file>
 
 <file path=ppt/slides/slide3.xml><?xml version="1.0" encoding="utf-8"?>
-<p:sld xmlns:p="http://schemas.openxmlformats.org/presentationml/2006/main" xmlns:a="http://schemas.openxmlformats.org/drawingml/2006/main" xmlns:r="http://schemas.openxmlformats.org/officeDocument/2006/relationships">
+<p:sld xmlns:a="http://schemas.openxmlformats.org/drawingml/2006/main" xmlns:r="http://schemas.openxmlformats.org/officeDocument/2006/relationships" xmlns:p="http://schemas.openxmlformats.org/presentationml/2006/main">
   <p:cSld>
     <p:spTree>
       <p:nvGrpSpPr>
@@ -3970,21 +3763,21 @@
       </p:grpSpPr>
       <p:pic>
         <p:nvPicPr>
-          <p:cNvPr name="Picture 2" id="2"/>
+          <p:cNvPr id="2" name="Picture 2"/>
           <p:cNvPicPr>
-            <a:picLocks noChangeAspect="true"/>
+            <a:picLocks noChangeAspect="1"/>
           </p:cNvPicPr>
           <p:nvPr/>
         </p:nvPicPr>
         <p:blipFill>
           <a:blip r:embed="rId2"/>
-          <a:srcRect l="1868" t="0" r="1868" b="5958"/>
+          <a:srcRect l="1868" r="1868" b="5958"/>
           <a:stretch>
             <a:fillRect/>
           </a:stretch>
         </p:blipFill>
         <p:spPr>
-          <a:xfrm flipH="false" flipV="false" rot="0">
+          <a:xfrm>
             <a:off x="505108" y="3344948"/>
             <a:ext cx="9701856" cy="5155141"/>
           </a:xfrm>
@@ -3995,12 +3788,12 @@
       </p:pic>
       <p:sp>
         <p:nvSpPr>
-          <p:cNvPr name="TextBox 3" id="3"/>
-          <p:cNvSpPr txBox="true"/>
+          <p:cNvPr id="3" name="TextBox 3"/>
+          <p:cNvSpPr txBox="1"/>
           <p:nvPr/>
         </p:nvSpPr>
         <p:spPr>
-          <a:xfrm rot="0">
+          <a:xfrm>
             <a:off x="763012" y="720729"/>
             <a:ext cx="7928729" cy="1436291"/>
           </a:xfrm>
@@ -4009,7 +3802,7 @@
           </a:prstGeom>
         </p:spPr>
         <p:txBody>
-          <a:bodyPr anchor="t" rtlCol="false" tIns="0" lIns="0" bIns="0" rIns="0">
+          <a:bodyPr lIns="0" tIns="0" rIns="0" bIns="0" rtlCol="0" anchor="t">
             <a:spAutoFit/>
           </a:bodyPr>
           <a:lstStyle/>
@@ -4036,12 +3829,12 @@
       </p:sp>
       <p:sp>
         <p:nvSpPr>
-          <p:cNvPr name="TextBox 4" id="4"/>
-          <p:cNvSpPr txBox="true"/>
+          <p:cNvPr id="4" name="TextBox 4"/>
+          <p:cNvSpPr txBox="1"/>
           <p:nvPr/>
         </p:nvSpPr>
         <p:spPr>
-          <a:xfrm rot="0">
+          <a:xfrm>
             <a:off x="10400740" y="2868702"/>
             <a:ext cx="7576647" cy="6069532"/>
           </a:xfrm>
@@ -4050,12 +3843,12 @@
           </a:prstGeom>
         </p:spPr>
         <p:txBody>
-          <a:bodyPr anchor="t" rtlCol="false" tIns="0" lIns="0" bIns="0" rIns="0">
+          <a:bodyPr lIns="0" tIns="0" rIns="0" bIns="0" rtlCol="0" anchor="t">
             <a:spAutoFit/>
           </a:bodyPr>
           <a:lstStyle/>
           <a:p>
-            <a:pPr marL="722128" indent="-361064" lvl="1">
+            <a:pPr marL="722128" lvl="1" indent="-361064">
               <a:lnSpc>
                 <a:spcPts val="4348"/>
               </a:lnSpc>
@@ -4078,9 +3871,15 @@
                 <a:spcPts val="4348"/>
               </a:lnSpc>
             </a:pPr>
-          </a:p>
-          <a:p>
-            <a:pPr marL="722128" indent="-361064" lvl="1">
+            <a:endParaRPr lang="en-US" sz="3344">
+              <a:solidFill>
+                <a:srgbClr val="000000"/>
+              </a:solidFill>
+              <a:latin typeface="Roboto Bold"/>
+            </a:endParaRPr>
+          </a:p>
+          <a:p>
+            <a:pPr marL="722128" lvl="1" indent="-361064">
               <a:lnSpc>
                 <a:spcPts val="4348"/>
               </a:lnSpc>
@@ -4103,9 +3902,15 @@
                 <a:spcPts val="4348"/>
               </a:lnSpc>
             </a:pPr>
-          </a:p>
-          <a:p>
-            <a:pPr marL="722128" indent="-361064" lvl="1">
+            <a:endParaRPr lang="en-US" sz="3344">
+              <a:solidFill>
+                <a:srgbClr val="000000"/>
+              </a:solidFill>
+              <a:latin typeface="Roboto Bold"/>
+            </a:endParaRPr>
+          </a:p>
+          <a:p>
+            <a:pPr marL="722128" lvl="1" indent="-361064">
               <a:lnSpc>
                 <a:spcPts val="4348"/>
               </a:lnSpc>
@@ -4151,16 +3956,7 @@
                 </a:solidFill>
                 <a:latin typeface="Roboto Bold"/>
               </a:rPr>
-              <a:t>    --&gt;  </a:t>
-            </a:r>
-            <a:r>
-              <a:rPr lang="en-US" sz="3344">
-                <a:solidFill>
-                  <a:srgbClr val="000000"/>
-                </a:solidFill>
-                <a:latin typeface="Roboto Bold"/>
-              </a:rPr>
-              <a:t>other information gathered from the image processing</a:t>
+              <a:t>    --&gt;  other information gathered from the image processing</a:t>
             </a:r>
             <a:r>
               <a:rPr lang="en-US" sz="3344">
@@ -4176,12 +3972,12 @@
       </p:sp>
       <p:grpSp>
         <p:nvGrpSpPr>
-          <p:cNvPr name="Group 5" id="5"/>
+          <p:cNvPr id="5" name="Group 5"/>
           <p:cNvGrpSpPr/>
           <p:nvPr/>
         </p:nvGrpSpPr>
         <p:grpSpPr>
-          <a:xfrm rot="0">
+          <a:xfrm>
             <a:off x="321407" y="469627"/>
             <a:ext cx="367402" cy="346352"/>
             <a:chOff x="0" y="0"/>
@@ -4190,73 +3986,73 @@
         </p:grpSpPr>
         <p:sp>
           <p:nvSpPr>
-            <p:cNvPr name="AutoShape 6" id="6"/>
+            <p:cNvPr id="6" name="AutoShape 6"/>
             <p:cNvSpPr/>
             <p:nvPr/>
           </p:nvSpPr>
           <p:spPr>
-            <a:xfrm rot="0">
+            <a:xfrm>
               <a:off x="0" y="0"/>
               <a:ext cx="489869" cy="0"/>
             </a:xfrm>
             <a:prstGeom prst="line">
               <a:avLst/>
             </a:prstGeom>
-            <a:ln cap="rnd" w="50872">
+            <a:ln w="50872" cap="rnd">
               <a:solidFill>
                 <a:srgbClr val="000000"/>
               </a:solidFill>
               <a:prstDash val="solid"/>
-              <a:headEnd type="none" len="sm" w="sm"/>
-              <a:tailEnd type="none" len="sm" w="sm"/>
+              <a:headEnd type="none" w="sm" len="sm"/>
+              <a:tailEnd type="none" w="sm" len="sm"/>
             </a:ln>
           </p:spPr>
         </p:sp>
         <p:sp>
           <p:nvSpPr>
-            <p:cNvPr name="AutoShape 7" id="7"/>
+            <p:cNvPr id="7" name="AutoShape 7"/>
             <p:cNvSpPr/>
             <p:nvPr/>
           </p:nvSpPr>
           <p:spPr>
-            <a:xfrm rot="0">
+            <a:xfrm>
               <a:off x="0" y="205275"/>
               <a:ext cx="489869" cy="0"/>
             </a:xfrm>
             <a:prstGeom prst="line">
               <a:avLst/>
             </a:prstGeom>
-            <a:ln cap="rnd" w="50872">
+            <a:ln w="50872" cap="rnd">
               <a:solidFill>
                 <a:srgbClr val="000000"/>
               </a:solidFill>
               <a:prstDash val="solid"/>
-              <a:headEnd type="none" len="sm" w="sm"/>
-              <a:tailEnd type="none" len="sm" w="sm"/>
+              <a:headEnd type="none" w="sm" len="sm"/>
+              <a:tailEnd type="none" w="sm" len="sm"/>
             </a:ln>
           </p:spPr>
         </p:sp>
         <p:sp>
           <p:nvSpPr>
-            <p:cNvPr name="AutoShape 8" id="8"/>
+            <p:cNvPr id="8" name="AutoShape 8"/>
             <p:cNvSpPr/>
             <p:nvPr/>
           </p:nvSpPr>
           <p:spPr>
-            <a:xfrm rot="0">
+            <a:xfrm>
               <a:off x="0" y="410931"/>
               <a:ext cx="489869" cy="0"/>
             </a:xfrm>
             <a:prstGeom prst="line">
               <a:avLst/>
             </a:prstGeom>
-            <a:ln cap="rnd" w="50872">
+            <a:ln w="50872" cap="rnd">
               <a:solidFill>
                 <a:srgbClr val="000000"/>
               </a:solidFill>
               <a:prstDash val="solid"/>
-              <a:headEnd type="none" len="sm" w="sm"/>
-              <a:tailEnd type="none" len="sm" w="sm"/>
+              <a:headEnd type="none" w="sm" len="sm"/>
+              <a:tailEnd type="none" w="sm" len="sm"/>
             </a:ln>
           </p:spPr>
         </p:sp>
@@ -4270,7 +4066,7 @@
 </file>
 
 <file path=ppt/slides/slide4.xml><?xml version="1.0" encoding="utf-8"?>
-<p:sld xmlns:p="http://schemas.openxmlformats.org/presentationml/2006/main" xmlns:a="http://schemas.openxmlformats.org/drawingml/2006/main" xmlns:r="http://schemas.openxmlformats.org/officeDocument/2006/relationships">
+<p:sld xmlns:a="http://schemas.openxmlformats.org/drawingml/2006/main" xmlns:r="http://schemas.openxmlformats.org/officeDocument/2006/relationships" xmlns:p="http://schemas.openxmlformats.org/presentationml/2006/main">
   <p:cSld>
     <p:spTree>
       <p:nvGrpSpPr>
@@ -4288,12 +4084,12 @@
       </p:grpSpPr>
       <p:grpSp>
         <p:nvGrpSpPr>
-          <p:cNvPr name="Group 2" id="2"/>
+          <p:cNvPr id="2" name="Group 2"/>
           <p:cNvGrpSpPr/>
           <p:nvPr/>
         </p:nvGrpSpPr>
         <p:grpSpPr>
-          <a:xfrm rot="0">
+          <a:xfrm>
             <a:off x="1028700" y="1028700"/>
             <a:ext cx="367402" cy="346352"/>
             <a:chOff x="0" y="0"/>
@@ -4302,94 +4098,94 @@
         </p:grpSpPr>
         <p:sp>
           <p:nvSpPr>
-            <p:cNvPr name="AutoShape 3" id="3"/>
+            <p:cNvPr id="3" name="AutoShape 3"/>
             <p:cNvSpPr/>
             <p:nvPr/>
           </p:nvSpPr>
           <p:spPr>
-            <a:xfrm rot="0">
+            <a:xfrm>
               <a:off x="0" y="0"/>
               <a:ext cx="489869" cy="0"/>
             </a:xfrm>
             <a:prstGeom prst="line">
               <a:avLst/>
             </a:prstGeom>
-            <a:ln cap="rnd" w="50872">
+            <a:ln w="50872" cap="rnd">
               <a:solidFill>
                 <a:srgbClr val="000000"/>
               </a:solidFill>
               <a:prstDash val="solid"/>
-              <a:headEnd type="none" len="sm" w="sm"/>
-              <a:tailEnd type="none" len="sm" w="sm"/>
+              <a:headEnd type="none" w="sm" len="sm"/>
+              <a:tailEnd type="none" w="sm" len="sm"/>
             </a:ln>
           </p:spPr>
         </p:sp>
         <p:sp>
           <p:nvSpPr>
-            <p:cNvPr name="AutoShape 4" id="4"/>
+            <p:cNvPr id="4" name="AutoShape 4"/>
             <p:cNvSpPr/>
             <p:nvPr/>
           </p:nvSpPr>
           <p:spPr>
-            <a:xfrm rot="0">
+            <a:xfrm>
               <a:off x="0" y="205275"/>
               <a:ext cx="489869" cy="0"/>
             </a:xfrm>
             <a:prstGeom prst="line">
               <a:avLst/>
             </a:prstGeom>
-            <a:ln cap="rnd" w="50872">
+            <a:ln w="50872" cap="rnd">
               <a:solidFill>
                 <a:srgbClr val="000000"/>
               </a:solidFill>
               <a:prstDash val="solid"/>
-              <a:headEnd type="none" len="sm" w="sm"/>
-              <a:tailEnd type="none" len="sm" w="sm"/>
+              <a:headEnd type="none" w="sm" len="sm"/>
+              <a:tailEnd type="none" w="sm" len="sm"/>
             </a:ln>
           </p:spPr>
         </p:sp>
         <p:sp>
           <p:nvSpPr>
-            <p:cNvPr name="AutoShape 5" id="5"/>
+            <p:cNvPr id="5" name="AutoShape 5"/>
             <p:cNvSpPr/>
             <p:nvPr/>
           </p:nvSpPr>
           <p:spPr>
-            <a:xfrm rot="0">
+            <a:xfrm>
               <a:off x="0" y="410931"/>
               <a:ext cx="489869" cy="0"/>
             </a:xfrm>
             <a:prstGeom prst="line">
               <a:avLst/>
             </a:prstGeom>
-            <a:ln cap="rnd" w="50872">
+            <a:ln w="50872" cap="rnd">
               <a:solidFill>
                 <a:srgbClr val="000000"/>
               </a:solidFill>
               <a:prstDash val="solid"/>
-              <a:headEnd type="none" len="sm" w="sm"/>
-              <a:tailEnd type="none" len="sm" w="sm"/>
+              <a:headEnd type="none" w="sm" len="sm"/>
+              <a:tailEnd type="none" w="sm" len="sm"/>
             </a:ln>
           </p:spPr>
         </p:sp>
       </p:grpSp>
       <p:pic>
         <p:nvPicPr>
-          <p:cNvPr name="Picture 6" id="6"/>
+          <p:cNvPr id="6" name="Picture 6"/>
           <p:cNvPicPr>
-            <a:picLocks noChangeAspect="true"/>
+            <a:picLocks noChangeAspect="1"/>
           </p:cNvPicPr>
           <p:nvPr/>
         </p:nvPicPr>
         <p:blipFill>
           <a:blip r:embed="rId2"/>
-          <a:srcRect l="0" t="0" r="0" b="0"/>
+          <a:srcRect/>
           <a:stretch>
             <a:fillRect/>
           </a:stretch>
         </p:blipFill>
         <p:spPr>
-          <a:xfrm flipH="false" flipV="false" rot="0">
+          <a:xfrm>
             <a:off x="2175007" y="2794071"/>
             <a:ext cx="2322665" cy="2863087"/>
           </a:xfrm>
@@ -4400,22 +4196,22 @@
       </p:pic>
       <p:pic>
         <p:nvPicPr>
-          <p:cNvPr name="Picture 7" id="7"/>
+          <p:cNvPr id="7" name="Picture 7"/>
           <p:cNvPicPr>
-            <a:picLocks noChangeAspect="true"/>
+            <a:picLocks noChangeAspect="1"/>
           </p:cNvPicPr>
           <p:nvPr/>
         </p:nvPicPr>
         <p:blipFill>
           <a:blip r:embed="rId3"/>
-          <a:srcRect l="0" t="0" r="0" b="0"/>
+          <a:srcRect/>
           <a:stretch>
             <a:fillRect/>
           </a:stretch>
         </p:blipFill>
         <p:spPr>
-          <a:xfrm flipH="false" flipV="false" rot="0">
-            <a:off x="7079715" y="2794071"/>
+          <a:xfrm>
+            <a:off x="6965142" y="2523099"/>
             <a:ext cx="3851739" cy="2885086"/>
           </a:xfrm>
           <a:prstGeom prst="rect">
@@ -4425,22 +4221,22 @@
       </p:pic>
       <p:pic>
         <p:nvPicPr>
-          <p:cNvPr name="Picture 8" id="8"/>
+          <p:cNvPr id="8" name="Picture 8"/>
           <p:cNvPicPr>
-            <a:picLocks noChangeAspect="true"/>
+            <a:picLocks noChangeAspect="1"/>
           </p:cNvPicPr>
           <p:nvPr/>
         </p:nvPicPr>
         <p:blipFill>
           <a:blip r:embed="rId4"/>
-          <a:srcRect l="0" t="0" r="0" b="0"/>
+          <a:srcRect/>
           <a:stretch>
             <a:fillRect/>
           </a:stretch>
         </p:blipFill>
         <p:spPr>
-          <a:xfrm flipH="false" flipV="false" rot="0">
-            <a:off x="12575765" y="2523099"/>
+          <a:xfrm>
+            <a:off x="12010403" y="2523099"/>
             <a:ext cx="4954482" cy="3156058"/>
           </a:xfrm>
           <a:prstGeom prst="rect">
@@ -4450,26 +4246,26 @@
       </p:pic>
       <p:sp>
         <p:nvSpPr>
-          <p:cNvPr name="TextBox 9" id="9"/>
-          <p:cNvSpPr txBox="true"/>
+          <p:cNvPr id="9" name="TextBox 9"/>
+          <p:cNvSpPr txBox="1"/>
           <p:nvPr/>
         </p:nvSpPr>
         <p:spPr>
-          <a:xfrm rot="0">
-            <a:off x="6226264" y="6533664"/>
-            <a:ext cx="5558639" cy="2648387"/>
+          <a:xfrm>
+            <a:off x="5791200" y="6533664"/>
+            <a:ext cx="5787781" cy="3199594"/>
           </a:xfrm>
           <a:prstGeom prst="rect">
             <a:avLst/>
           </a:prstGeom>
         </p:spPr>
         <p:txBody>
-          <a:bodyPr anchor="t" rtlCol="false" tIns="0" lIns="0" bIns="0" rIns="0">
+          <a:bodyPr wrap="square" lIns="0" tIns="0" rIns="0" bIns="0" rtlCol="0" anchor="t">
             <a:spAutoFit/>
           </a:bodyPr>
           <a:lstStyle/>
           <a:p>
-            <a:pPr marL="690881" indent="-345440" lvl="1">
+            <a:pPr marL="690881" lvl="1" indent="-345440">
               <a:lnSpc>
                 <a:spcPts val="4160"/>
               </a:lnSpc>
@@ -4477,7 +4273,7 @@
               <a:buChar char="•"/>
             </a:pPr>
             <a:r>
-              <a:rPr lang="en-US" sz="3200">
+              <a:rPr lang="en-US" sz="3200" dirty="0">
                 <a:solidFill>
                   <a:srgbClr val="000000"/>
                 </a:solidFill>
@@ -4486,17 +4282,17 @@
               <a:t>I</a:t>
             </a:r>
             <a:r>
-              <a:rPr lang="en-US" sz="3200">
+              <a:rPr lang="en-US" sz="3200" dirty="0">
                 <a:solidFill>
                   <a:srgbClr val="000000"/>
                 </a:solidFill>
                 <a:latin typeface="Roboto Bold"/>
               </a:rPr>
-              <a:t>t is an API of Python that allows us to build up web-applications. </a:t>
-            </a:r>
-          </a:p>
-          <a:p>
-            <a:pPr marL="690881" indent="-345440" lvl="1">
+              <a:t>t is an micro-framework that allows us to build up web applications. </a:t>
+            </a:r>
+          </a:p>
+          <a:p>
+            <a:pPr marL="690881" lvl="1" indent="-345440">
               <a:lnSpc>
                 <a:spcPts val="4160"/>
               </a:lnSpc>
@@ -4504,13 +4300,13 @@
               <a:buChar char="•"/>
             </a:pPr>
             <a:r>
-              <a:rPr lang="en-US" sz="3200">
+              <a:rPr lang="en-US" sz="3200" dirty="0">
                 <a:solidFill>
                   <a:srgbClr val="000000"/>
                 </a:solidFill>
                 <a:latin typeface="Roboto Bold"/>
               </a:rPr>
-              <a:t>It is used for the backend.</a:t>
+              <a:t>It is uses Python for the backend.</a:t>
             </a:r>
           </a:p>
           <a:p>
@@ -4519,31 +4315,37 @@
                 <a:spcPts val="4160"/>
               </a:lnSpc>
             </a:pPr>
-          </a:p>
-        </p:txBody>
-      </p:sp>
-      <p:sp>
-        <p:nvSpPr>
-          <p:cNvPr name="TextBox 10" id="10"/>
-          <p:cNvSpPr txBox="true"/>
+            <a:endParaRPr lang="en-US" sz="3200" dirty="0">
+              <a:solidFill>
+                <a:srgbClr val="000000"/>
+              </a:solidFill>
+              <a:latin typeface="Roboto Bold"/>
+            </a:endParaRPr>
+          </a:p>
+        </p:txBody>
+      </p:sp>
+      <p:sp>
+        <p:nvSpPr>
+          <p:cNvPr id="10" name="TextBox 10"/>
+          <p:cNvSpPr txBox="1"/>
           <p:nvPr/>
         </p:nvSpPr>
         <p:spPr>
-          <a:xfrm rot="0">
-            <a:off x="11784904" y="5985064"/>
-            <a:ext cx="5988985" cy="4233228"/>
+          <a:xfrm>
+            <a:off x="11201399" y="6521270"/>
+            <a:ext cx="6572489" cy="3738203"/>
           </a:xfrm>
           <a:prstGeom prst="rect">
             <a:avLst/>
           </a:prstGeom>
         </p:spPr>
         <p:txBody>
-          <a:bodyPr anchor="t" rtlCol="false" tIns="0" lIns="0" bIns="0" rIns="0">
+          <a:bodyPr wrap="square" lIns="0" tIns="0" rIns="0" bIns="0" rtlCol="0" anchor="t">
             <a:spAutoFit/>
           </a:bodyPr>
           <a:lstStyle/>
           <a:p>
-            <a:pPr marL="690881" indent="-345440" lvl="1">
+            <a:pPr marL="690881" lvl="1" indent="-345440">
               <a:lnSpc>
                 <a:spcPts val="4160"/>
               </a:lnSpc>
@@ -4551,17 +4353,17 @@
               <a:buChar char="•"/>
             </a:pPr>
             <a:r>
-              <a:rPr lang="en-US" sz="3200">
+              <a:rPr lang="en-US" sz="3200" dirty="0">
                 <a:solidFill>
                   <a:srgbClr val="000000"/>
                 </a:solidFill>
                 <a:latin typeface="Roboto Bold"/>
               </a:rPr>
-              <a:t>It is an end-to-end open-source platform for machine learning.</a:t>
-            </a:r>
-          </a:p>
-          <a:p>
-            <a:pPr marL="690881" indent="-345440" lvl="1">
+              <a:t>It is an end-to-end open-source platform for machine learning developed by Google.</a:t>
+            </a:r>
+          </a:p>
+          <a:p>
+            <a:pPr marL="690881" lvl="1" indent="-345440">
               <a:lnSpc>
                 <a:spcPts val="4160"/>
               </a:lnSpc>
@@ -4569,7 +4371,7 @@
               <a:buChar char="•"/>
             </a:pPr>
             <a:r>
-              <a:rPr lang="en-US" sz="3200">
+              <a:rPr lang="en-US" sz="3200" dirty="0">
                 <a:solidFill>
                   <a:srgbClr val="000000"/>
                 </a:solidFill>
@@ -4584,17 +4386,23 @@
                 <a:spcPts val="4160"/>
               </a:lnSpc>
             </a:pPr>
-          </a:p>
-        </p:txBody>
-      </p:sp>
-      <p:sp>
-        <p:nvSpPr>
-          <p:cNvPr name="TextBox 11" id="11"/>
-          <p:cNvSpPr txBox="true"/>
+            <a:endParaRPr lang="en-US" sz="3200" dirty="0">
+              <a:solidFill>
+                <a:srgbClr val="000000"/>
+              </a:solidFill>
+              <a:latin typeface="Roboto Bold"/>
+            </a:endParaRPr>
+          </a:p>
+        </p:txBody>
+      </p:sp>
+      <p:sp>
+        <p:nvSpPr>
+          <p:cNvPr id="11" name="TextBox 11"/>
+          <p:cNvSpPr txBox="1"/>
           <p:nvPr/>
         </p:nvSpPr>
         <p:spPr>
-          <a:xfrm rot="0">
+          <a:xfrm>
             <a:off x="3659764" y="325814"/>
             <a:ext cx="12754846" cy="1350526"/>
           </a:xfrm>
@@ -4603,7 +4411,7 @@
           </a:prstGeom>
         </p:spPr>
         <p:txBody>
-          <a:bodyPr anchor="t" rtlCol="false" tIns="0" lIns="0" bIns="0" rIns="0">
+          <a:bodyPr lIns="0" tIns="0" rIns="0" bIns="0" rtlCol="0" anchor="t">
             <a:spAutoFit/>
           </a:bodyPr>
           <a:lstStyle/>
@@ -4627,12 +4435,12 @@
       </p:sp>
       <p:sp>
         <p:nvSpPr>
-          <p:cNvPr name="TextBox 12" id="12"/>
-          <p:cNvSpPr txBox="true"/>
+          <p:cNvPr id="12" name="TextBox 12"/>
+          <p:cNvSpPr txBox="1"/>
           <p:nvPr/>
         </p:nvSpPr>
         <p:spPr>
-          <a:xfrm rot="0">
+          <a:xfrm>
             <a:off x="320310" y="6533664"/>
             <a:ext cx="5676812" cy="1591826"/>
           </a:xfrm>
@@ -4641,12 +4449,12 @@
           </a:prstGeom>
         </p:spPr>
         <p:txBody>
-          <a:bodyPr anchor="t" rtlCol="false" tIns="0" lIns="0" bIns="0" rIns="0">
+          <a:bodyPr lIns="0" tIns="0" rIns="0" bIns="0" rtlCol="0" anchor="t">
             <a:spAutoFit/>
           </a:bodyPr>
           <a:lstStyle/>
           <a:p>
-            <a:pPr algn="ctr" marL="690881" indent="-345440" lvl="1">
+            <a:pPr marL="690881" lvl="1" indent="-345440" algn="ctr">
               <a:lnSpc>
                 <a:spcPts val="4160"/>
               </a:lnSpc>
@@ -4654,13 +4462,13 @@
               <a:buChar char="•"/>
             </a:pPr>
             <a:r>
-              <a:rPr lang="en-US" sz="3200">
+              <a:rPr lang="en-US" sz="3200" dirty="0">
                 <a:solidFill>
                   <a:srgbClr val="000000"/>
                 </a:solidFill>
                 <a:latin typeface="Roboto Bold"/>
               </a:rPr>
-              <a:t>library of programming </a:t>
+              <a:t>Library of programming </a:t>
             </a:r>
           </a:p>
           <a:p>
@@ -4670,13 +4478,13 @@
               </a:lnSpc>
             </a:pPr>
             <a:r>
-              <a:rPr lang="en-US" sz="3200">
+              <a:rPr lang="en-US" sz="3200" dirty="0">
                 <a:solidFill>
                   <a:srgbClr val="000000"/>
                 </a:solidFill>
                 <a:latin typeface="Roboto Bold"/>
               </a:rPr>
-              <a:t>functions Mainly aimed at    real-time computer vision</a:t>
+              <a:t>functions mainly aimed at    real-time computer vision.</a:t>
             </a:r>
           </a:p>
         </p:txBody>
@@ -4690,7 +4498,7 @@
 </file>
 
 <file path=ppt/slides/slide5.xml><?xml version="1.0" encoding="utf-8"?>
-<p:sld xmlns:p="http://schemas.openxmlformats.org/presentationml/2006/main" xmlns:a="http://schemas.openxmlformats.org/drawingml/2006/main" xmlns:r="http://schemas.openxmlformats.org/officeDocument/2006/relationships">
+<p:sld xmlns:a="http://schemas.openxmlformats.org/drawingml/2006/main" xmlns:r="http://schemas.openxmlformats.org/officeDocument/2006/relationships" xmlns:p="http://schemas.openxmlformats.org/presentationml/2006/main">
   <p:cSld>
     <p:spTree>
       <p:nvGrpSpPr>
@@ -4708,12 +4516,12 @@
       </p:grpSpPr>
       <p:grpSp>
         <p:nvGrpSpPr>
-          <p:cNvPr name="Group 2" id="2"/>
+          <p:cNvPr id="2" name="Group 2"/>
           <p:cNvGrpSpPr/>
           <p:nvPr/>
         </p:nvGrpSpPr>
         <p:grpSpPr>
-          <a:xfrm rot="0">
+          <a:xfrm>
             <a:off x="1028700" y="1028700"/>
             <a:ext cx="367402" cy="346352"/>
             <a:chOff x="0" y="0"/>
@@ -4722,95 +4530,95 @@
         </p:grpSpPr>
         <p:sp>
           <p:nvSpPr>
-            <p:cNvPr name="AutoShape 3" id="3"/>
+            <p:cNvPr id="3" name="AutoShape 3"/>
             <p:cNvSpPr/>
             <p:nvPr/>
           </p:nvSpPr>
           <p:spPr>
-            <a:xfrm rot="0">
+            <a:xfrm>
               <a:off x="0" y="0"/>
               <a:ext cx="489869" cy="0"/>
             </a:xfrm>
             <a:prstGeom prst="line">
               <a:avLst/>
             </a:prstGeom>
-            <a:ln cap="rnd" w="50872">
+            <a:ln w="50872" cap="rnd">
               <a:solidFill>
                 <a:srgbClr val="000000"/>
               </a:solidFill>
               <a:prstDash val="solid"/>
-              <a:headEnd type="none" len="sm" w="sm"/>
-              <a:tailEnd type="none" len="sm" w="sm"/>
+              <a:headEnd type="none" w="sm" len="sm"/>
+              <a:tailEnd type="none" w="sm" len="sm"/>
             </a:ln>
           </p:spPr>
         </p:sp>
         <p:sp>
           <p:nvSpPr>
-            <p:cNvPr name="AutoShape 4" id="4"/>
+            <p:cNvPr id="4" name="AutoShape 4"/>
             <p:cNvSpPr/>
             <p:nvPr/>
           </p:nvSpPr>
           <p:spPr>
-            <a:xfrm rot="0">
+            <a:xfrm>
               <a:off x="0" y="205275"/>
               <a:ext cx="489869" cy="0"/>
             </a:xfrm>
             <a:prstGeom prst="line">
               <a:avLst/>
             </a:prstGeom>
-            <a:ln cap="rnd" w="50872">
+            <a:ln w="50872" cap="rnd">
               <a:solidFill>
                 <a:srgbClr val="000000"/>
               </a:solidFill>
               <a:prstDash val="solid"/>
-              <a:headEnd type="none" len="sm" w="sm"/>
-              <a:tailEnd type="none" len="sm" w="sm"/>
+              <a:headEnd type="none" w="sm" len="sm"/>
+              <a:tailEnd type="none" w="sm" len="sm"/>
             </a:ln>
           </p:spPr>
         </p:sp>
         <p:sp>
           <p:nvSpPr>
-            <p:cNvPr name="AutoShape 5" id="5"/>
+            <p:cNvPr id="5" name="AutoShape 5"/>
             <p:cNvSpPr/>
             <p:nvPr/>
           </p:nvSpPr>
           <p:spPr>
-            <a:xfrm rot="0">
+            <a:xfrm>
               <a:off x="0" y="410931"/>
               <a:ext cx="489869" cy="0"/>
             </a:xfrm>
             <a:prstGeom prst="line">
               <a:avLst/>
             </a:prstGeom>
-            <a:ln cap="rnd" w="50872">
+            <a:ln w="50872" cap="rnd">
               <a:solidFill>
                 <a:srgbClr val="000000"/>
               </a:solidFill>
               <a:prstDash val="solid"/>
-              <a:headEnd type="none" len="sm" w="sm"/>
-              <a:tailEnd type="none" len="sm" w="sm"/>
+              <a:headEnd type="none" w="sm" len="sm"/>
+              <a:tailEnd type="none" w="sm" len="sm"/>
             </a:ln>
           </p:spPr>
         </p:sp>
       </p:grpSp>
       <p:pic>
         <p:nvPicPr>
-          <p:cNvPr name="Picture 6" id="6"/>
+          <p:cNvPr id="6" name="Picture 6"/>
           <p:cNvPicPr>
-            <a:picLocks noChangeAspect="true"/>
+            <a:picLocks noChangeAspect="1"/>
           </p:cNvPicPr>
           <p:nvPr/>
         </p:nvPicPr>
         <p:blipFill>
           <a:blip r:embed="rId2"/>
-          <a:srcRect l="0" t="0" r="1559" b="0"/>
+          <a:srcRect r="1559"/>
           <a:stretch>
             <a:fillRect/>
           </a:stretch>
         </p:blipFill>
         <p:spPr>
-          <a:xfrm flipH="false" flipV="false" rot="0">
-            <a:off x="280352" y="3056550"/>
+          <a:xfrm>
+            <a:off x="609871" y="3056550"/>
             <a:ext cx="5716771" cy="1685095"/>
           </a:xfrm>
           <a:prstGeom prst="rect">
@@ -4820,22 +4628,22 @@
       </p:pic>
       <p:pic>
         <p:nvPicPr>
-          <p:cNvPr name="Picture 7" id="7"/>
+          <p:cNvPr id="7" name="Picture 7"/>
           <p:cNvPicPr>
-            <a:picLocks noChangeAspect="true"/>
+            <a:picLocks noChangeAspect="1"/>
           </p:cNvPicPr>
           <p:nvPr/>
         </p:nvPicPr>
         <p:blipFill>
           <a:blip r:embed="rId3"/>
-          <a:srcRect l="0" t="0" r="0" b="0"/>
+          <a:srcRect/>
           <a:stretch>
             <a:fillRect/>
           </a:stretch>
         </p:blipFill>
         <p:spPr>
-          <a:xfrm flipH="false" flipV="false" rot="0">
-            <a:off x="6826466" y="3056550"/>
+          <a:xfrm>
+            <a:off x="6964882" y="2910774"/>
             <a:ext cx="4358236" cy="2306469"/>
           </a:xfrm>
           <a:prstGeom prst="rect">
@@ -4845,22 +4653,22 @@
       </p:pic>
       <p:pic>
         <p:nvPicPr>
-          <p:cNvPr name="Picture 8" id="8"/>
+          <p:cNvPr id="8" name="Picture 8"/>
           <p:cNvPicPr>
-            <a:picLocks noChangeAspect="true"/>
+            <a:picLocks noChangeAspect="1"/>
           </p:cNvPicPr>
           <p:nvPr/>
         </p:nvPicPr>
         <p:blipFill>
           <a:blip r:embed="rId4"/>
-          <a:srcRect l="0" t="0" r="0" b="0"/>
+          <a:srcRect/>
           <a:stretch>
             <a:fillRect/>
           </a:stretch>
         </p:blipFill>
         <p:spPr>
-          <a:xfrm flipH="false" flipV="false" rot="0">
-            <a:off x="13816591" y="2765000"/>
+          <a:xfrm>
+            <a:off x="13411200" y="2729760"/>
             <a:ext cx="2598019" cy="2598019"/>
           </a:xfrm>
           <a:prstGeom prst="rect">
@@ -4870,12 +4678,12 @@
       </p:pic>
       <p:sp>
         <p:nvSpPr>
-          <p:cNvPr name="TextBox 9" id="9"/>
-          <p:cNvSpPr txBox="true"/>
+          <p:cNvPr id="9" name="TextBox 9"/>
+          <p:cNvSpPr txBox="1"/>
           <p:nvPr/>
         </p:nvSpPr>
         <p:spPr>
-          <a:xfrm rot="0">
+          <a:xfrm>
             <a:off x="6740376" y="5950811"/>
             <a:ext cx="5558639" cy="2761456"/>
           </a:xfrm>
@@ -4884,12 +4692,12 @@
           </a:prstGeom>
         </p:spPr>
         <p:txBody>
-          <a:bodyPr anchor="t" rtlCol="false" tIns="0" lIns="0" bIns="0" rIns="0">
+          <a:bodyPr lIns="0" tIns="0" rIns="0" bIns="0" rtlCol="0" anchor="t">
             <a:spAutoFit/>
           </a:bodyPr>
           <a:lstStyle/>
           <a:p>
-            <a:pPr marL="690881" indent="-345440" lvl="1">
+            <a:pPr marL="690881" lvl="1" indent="-345440">
               <a:lnSpc>
                 <a:spcPts val="4160"/>
               </a:lnSpc>
@@ -4897,7 +4705,7 @@
               <a:buChar char="•"/>
             </a:pPr>
             <a:r>
-              <a:rPr lang="en-US" sz="3200">
+              <a:rPr lang="en-US" sz="3200" dirty="0">
                 <a:solidFill>
                   <a:srgbClr val="000000"/>
                 </a:solidFill>
@@ -4912,6 +4720,12 @@
                 <a:spcPts val="4550"/>
               </a:lnSpc>
             </a:pPr>
+            <a:endParaRPr lang="en-US" sz="3200" dirty="0">
+              <a:solidFill>
+                <a:srgbClr val="000000"/>
+              </a:solidFill>
+              <a:latin typeface="Arimo Bold"/>
+            </a:endParaRPr>
           </a:p>
           <a:p>
             <a:pPr>
@@ -4919,17 +4733,23 @@
                 <a:spcPts val="4680"/>
               </a:lnSpc>
             </a:pPr>
-          </a:p>
-        </p:txBody>
-      </p:sp>
-      <p:sp>
-        <p:nvSpPr>
-          <p:cNvPr name="TextBox 10" id="10"/>
-          <p:cNvSpPr txBox="true"/>
+            <a:endParaRPr lang="en-US" sz="3200" dirty="0">
+              <a:solidFill>
+                <a:srgbClr val="000000"/>
+              </a:solidFill>
+              <a:latin typeface="Arimo Bold"/>
+            </a:endParaRPr>
+          </a:p>
+        </p:txBody>
+      </p:sp>
+      <p:sp>
+        <p:nvSpPr>
+          <p:cNvPr id="10" name="TextBox 10"/>
+          <p:cNvSpPr txBox="1"/>
           <p:nvPr/>
         </p:nvSpPr>
         <p:spPr>
-          <a:xfrm rot="0">
+          <a:xfrm>
             <a:off x="12299015" y="5950811"/>
             <a:ext cx="5988985" cy="2138424"/>
           </a:xfrm>
@@ -4938,12 +4758,12 @@
           </a:prstGeom>
         </p:spPr>
         <p:txBody>
-          <a:bodyPr anchor="t" rtlCol="false" tIns="0" lIns="0" bIns="0" rIns="0">
+          <a:bodyPr lIns="0" tIns="0" rIns="0" bIns="0" rtlCol="0" anchor="t">
             <a:spAutoFit/>
           </a:bodyPr>
           <a:lstStyle/>
           <a:p>
-            <a:pPr marL="690881" indent="-345440" lvl="1">
+            <a:pPr marL="690881" lvl="1" indent="-345440">
               <a:lnSpc>
                 <a:spcPts val="4160"/>
               </a:lnSpc>
@@ -4966,17 +4786,23 @@
                 <a:spcPts val="4310"/>
               </a:lnSpc>
             </a:pPr>
-          </a:p>
-        </p:txBody>
-      </p:sp>
-      <p:sp>
-        <p:nvSpPr>
-          <p:cNvPr name="TextBox 11" id="11"/>
-          <p:cNvSpPr txBox="true"/>
+            <a:endParaRPr lang="en-US" sz="3200">
+              <a:solidFill>
+                <a:srgbClr val="000000"/>
+              </a:solidFill>
+              <a:latin typeface="Roboto Bold"/>
+            </a:endParaRPr>
+          </a:p>
+        </p:txBody>
+      </p:sp>
+      <p:sp>
+        <p:nvSpPr>
+          <p:cNvPr id="11" name="TextBox 11"/>
+          <p:cNvSpPr txBox="1"/>
           <p:nvPr/>
         </p:nvSpPr>
         <p:spPr>
-          <a:xfrm rot="0">
+          <a:xfrm>
             <a:off x="3468258" y="498991"/>
             <a:ext cx="12754846" cy="1350526"/>
           </a:xfrm>
@@ -4985,7 +4811,7 @@
           </a:prstGeom>
         </p:spPr>
         <p:txBody>
-          <a:bodyPr anchor="t" rtlCol="false" tIns="0" lIns="0" bIns="0" rIns="0">
+          <a:bodyPr lIns="0" tIns="0" rIns="0" bIns="0" rtlCol="0" anchor="t">
             <a:spAutoFit/>
           </a:bodyPr>
           <a:lstStyle/>
@@ -5009,13 +4835,13 @@
       </p:sp>
       <p:sp>
         <p:nvSpPr>
-          <p:cNvPr name="TextBox 12" id="12"/>
-          <p:cNvSpPr txBox="true"/>
+          <p:cNvPr id="12" name="TextBox 12"/>
+          <p:cNvSpPr txBox="1"/>
           <p:nvPr/>
         </p:nvSpPr>
         <p:spPr>
-          <a:xfrm rot="0">
-            <a:off x="215180" y="5315394"/>
+          <a:xfrm>
+            <a:off x="234221" y="5948678"/>
             <a:ext cx="6506155" cy="3768487"/>
           </a:xfrm>
           <a:prstGeom prst="rect">
@@ -5023,12 +4849,12 @@
           </a:prstGeom>
         </p:spPr>
         <p:txBody>
-          <a:bodyPr anchor="t" rtlCol="false" tIns="0" lIns="0" bIns="0" rIns="0">
+          <a:bodyPr lIns="0" tIns="0" rIns="0" bIns="0" rtlCol="0" anchor="t">
             <a:spAutoFit/>
           </a:bodyPr>
           <a:lstStyle/>
           <a:p>
-            <a:pPr marL="690881" indent="-345440" lvl="1">
+            <a:pPr marL="690881" lvl="1" indent="-345440">
               <a:lnSpc>
                 <a:spcPts val="4160"/>
               </a:lnSpc>
@@ -5036,7 +4862,7 @@
               <a:buChar char="•"/>
             </a:pPr>
             <a:r>
-              <a:rPr lang="en-US" sz="3200">
+              <a:rPr lang="en-US" sz="3200" dirty="0">
                 <a:solidFill>
                   <a:srgbClr val="000000"/>
                 </a:solidFill>
@@ -5046,7 +4872,7 @@
             </a:r>
           </a:p>
           <a:p>
-            <a:pPr marL="690881" indent="-345440" lvl="1">
+            <a:pPr marL="690881" lvl="1" indent="-345440">
               <a:lnSpc>
                 <a:spcPts val="4160"/>
               </a:lnSpc>
@@ -5054,7 +4880,7 @@
               <a:buChar char="•"/>
             </a:pPr>
             <a:r>
-              <a:rPr lang="en-US" sz="3200">
+              <a:rPr lang="en-US" sz="3200" dirty="0">
                 <a:solidFill>
                   <a:srgbClr val="000000"/>
                 </a:solidFill>
@@ -5069,6 +4895,12 @@
                 <a:spcPts val="4680"/>
               </a:lnSpc>
             </a:pPr>
+            <a:endParaRPr lang="en-US" sz="3200" dirty="0">
+              <a:solidFill>
+                <a:srgbClr val="000000"/>
+              </a:solidFill>
+              <a:latin typeface="Arimo Bold"/>
+            </a:endParaRPr>
           </a:p>
         </p:txBody>
       </p:sp>
@@ -5081,7 +4913,7 @@
 </file>
 
 <file path=ppt/slides/slide6.xml><?xml version="1.0" encoding="utf-8"?>
-<p:sld xmlns:p="http://schemas.openxmlformats.org/presentationml/2006/main" xmlns:a="http://schemas.openxmlformats.org/drawingml/2006/main">
+<p:sld xmlns:a="http://schemas.openxmlformats.org/drawingml/2006/main" xmlns:r="http://schemas.openxmlformats.org/officeDocument/2006/relationships" xmlns:p="http://schemas.openxmlformats.org/presentationml/2006/main">
   <p:cSld>
     <p:spTree>
       <p:nvGrpSpPr>
@@ -5099,12 +4931,12 @@
       </p:grpSpPr>
       <p:grpSp>
         <p:nvGrpSpPr>
-          <p:cNvPr name="Group 2" id="2"/>
+          <p:cNvPr id="2" name="Group 2"/>
           <p:cNvGrpSpPr/>
           <p:nvPr/>
         </p:nvGrpSpPr>
         <p:grpSpPr>
-          <a:xfrm rot="0">
+          <a:xfrm>
             <a:off x="1028700" y="1028700"/>
             <a:ext cx="367402" cy="346352"/>
             <a:chOff x="0" y="0"/>
@@ -5113,85 +4945,85 @@
         </p:grpSpPr>
         <p:sp>
           <p:nvSpPr>
-            <p:cNvPr name="AutoShape 3" id="3"/>
+            <p:cNvPr id="3" name="AutoShape 3"/>
             <p:cNvSpPr/>
             <p:nvPr/>
           </p:nvSpPr>
           <p:spPr>
-            <a:xfrm rot="0">
+            <a:xfrm>
               <a:off x="0" y="0"/>
               <a:ext cx="489869" cy="0"/>
             </a:xfrm>
             <a:prstGeom prst="line">
               <a:avLst/>
             </a:prstGeom>
-            <a:ln cap="rnd" w="50872">
+            <a:ln w="50872" cap="rnd">
               <a:solidFill>
                 <a:srgbClr val="000000"/>
               </a:solidFill>
               <a:prstDash val="solid"/>
-              <a:headEnd type="none" len="sm" w="sm"/>
-              <a:tailEnd type="none" len="sm" w="sm"/>
+              <a:headEnd type="none" w="sm" len="sm"/>
+              <a:tailEnd type="none" w="sm" len="sm"/>
             </a:ln>
           </p:spPr>
         </p:sp>
         <p:sp>
           <p:nvSpPr>
-            <p:cNvPr name="AutoShape 4" id="4"/>
+            <p:cNvPr id="4" name="AutoShape 4"/>
             <p:cNvSpPr/>
             <p:nvPr/>
           </p:nvSpPr>
           <p:spPr>
-            <a:xfrm rot="0">
+            <a:xfrm>
               <a:off x="0" y="205275"/>
               <a:ext cx="489869" cy="0"/>
             </a:xfrm>
             <a:prstGeom prst="line">
               <a:avLst/>
             </a:prstGeom>
-            <a:ln cap="rnd" w="50872">
+            <a:ln w="50872" cap="rnd">
               <a:solidFill>
                 <a:srgbClr val="000000"/>
               </a:solidFill>
               <a:prstDash val="solid"/>
-              <a:headEnd type="none" len="sm" w="sm"/>
-              <a:tailEnd type="none" len="sm" w="sm"/>
+              <a:headEnd type="none" w="sm" len="sm"/>
+              <a:tailEnd type="none" w="sm" len="sm"/>
             </a:ln>
           </p:spPr>
         </p:sp>
         <p:sp>
           <p:nvSpPr>
-            <p:cNvPr name="AutoShape 5" id="5"/>
+            <p:cNvPr id="5" name="AutoShape 5"/>
             <p:cNvSpPr/>
             <p:nvPr/>
           </p:nvSpPr>
           <p:spPr>
-            <a:xfrm rot="0">
+            <a:xfrm>
               <a:off x="0" y="410931"/>
               <a:ext cx="489869" cy="0"/>
             </a:xfrm>
             <a:prstGeom prst="line">
               <a:avLst/>
             </a:prstGeom>
-            <a:ln cap="rnd" w="50872">
+            <a:ln w="50872" cap="rnd">
               <a:solidFill>
                 <a:srgbClr val="000000"/>
               </a:solidFill>
               <a:prstDash val="solid"/>
-              <a:headEnd type="none" len="sm" w="sm"/>
-              <a:tailEnd type="none" len="sm" w="sm"/>
+              <a:headEnd type="none" w="sm" len="sm"/>
+              <a:tailEnd type="none" w="sm" len="sm"/>
             </a:ln>
           </p:spPr>
         </p:sp>
       </p:grpSp>
       <p:sp>
         <p:nvSpPr>
-          <p:cNvPr name="TextBox 6" id="6"/>
-          <p:cNvSpPr txBox="true"/>
+          <p:cNvPr id="6" name="TextBox 6"/>
+          <p:cNvSpPr txBox="1"/>
           <p:nvPr/>
         </p:nvSpPr>
         <p:spPr>
-          <a:xfrm rot="0">
+          <a:xfrm>
             <a:off x="2443286" y="3055654"/>
             <a:ext cx="14816014" cy="2342436"/>
           </a:xfrm>
@@ -5200,12 +5032,12 @@
           </a:prstGeom>
         </p:spPr>
         <p:txBody>
-          <a:bodyPr anchor="t" rtlCol="false" tIns="0" lIns="0" bIns="0" rIns="0">
+          <a:bodyPr lIns="0" tIns="0" rIns="0" bIns="0" rtlCol="0" anchor="t">
             <a:spAutoFit/>
           </a:bodyPr>
           <a:lstStyle/>
           <a:p>
-            <a:pPr marL="906780" indent="-453390" lvl="1">
+            <a:pPr marL="906780" lvl="1" indent="-453390">
               <a:lnSpc>
                 <a:spcPts val="5460"/>
               </a:lnSpc>
@@ -5213,7 +5045,7 @@
               <a:buChar char="•"/>
             </a:pPr>
             <a:r>
-              <a:rPr lang="en-US" sz="4200">
+              <a:rPr lang="en-US" sz="4200" dirty="0">
                 <a:solidFill>
                   <a:srgbClr val="004AAD"/>
                 </a:solidFill>
@@ -5223,22 +5055,13 @@
             </a:r>
           </a:p>
           <a:p>
-            <a:pPr>
+            <a:pPr algn="just">
               <a:lnSpc>
                 <a:spcPts val="4160"/>
               </a:lnSpc>
             </a:pPr>
             <a:r>
-              <a:rPr lang="en-US" sz="3200">
-                <a:solidFill>
-                  <a:srgbClr val="000000"/>
-                </a:solidFill>
-                <a:latin typeface="Arimo"/>
-              </a:rPr>
-              <a:t> </a:t>
-            </a:r>
-            <a:r>
-              <a:rPr lang="en-US" sz="3200">
+              <a:rPr lang="en-US" sz="3200" dirty="0">
                 <a:solidFill>
                   <a:srgbClr val="000000"/>
                 </a:solidFill>
@@ -5253,17 +5076,23 @@
                 <a:spcPts val="4680"/>
               </a:lnSpc>
             </a:pPr>
-          </a:p>
-        </p:txBody>
-      </p:sp>
-      <p:sp>
-        <p:nvSpPr>
-          <p:cNvPr name="TextBox 7" id="7"/>
-          <p:cNvSpPr txBox="true"/>
+            <a:endParaRPr lang="en-US" sz="3200" dirty="0">
+              <a:solidFill>
+                <a:srgbClr val="000000"/>
+              </a:solidFill>
+              <a:latin typeface="Arimo Bold"/>
+            </a:endParaRPr>
+          </a:p>
+        </p:txBody>
+      </p:sp>
+      <p:sp>
+        <p:nvSpPr>
+          <p:cNvPr id="7" name="TextBox 7"/>
+          <p:cNvSpPr txBox="1"/>
           <p:nvPr/>
         </p:nvSpPr>
         <p:spPr>
-          <a:xfrm rot="0">
+          <a:xfrm>
             <a:off x="2443286" y="5385985"/>
             <a:ext cx="14816014" cy="2297213"/>
           </a:xfrm>
@@ -5272,12 +5101,12 @@
           </a:prstGeom>
         </p:spPr>
         <p:txBody>
-          <a:bodyPr anchor="t" rtlCol="false" tIns="0" lIns="0" bIns="0" rIns="0">
+          <a:bodyPr lIns="0" tIns="0" rIns="0" bIns="0" rtlCol="0" anchor="t">
             <a:spAutoFit/>
           </a:bodyPr>
           <a:lstStyle/>
           <a:p>
-            <a:pPr marL="906780" indent="-453390" lvl="1">
+            <a:pPr marL="906780" lvl="1" indent="-453390">
               <a:lnSpc>
                 <a:spcPts val="5460"/>
               </a:lnSpc>
@@ -5285,7 +5114,7 @@
               <a:buChar char="•"/>
             </a:pPr>
             <a:r>
-              <a:rPr lang="en-US" sz="4200">
+              <a:rPr lang="en-US" sz="4200" dirty="0">
                 <a:solidFill>
                   <a:srgbClr val="004AAD"/>
                 </a:solidFill>
@@ -5301,7 +5130,7 @@
               </a:lnSpc>
             </a:pPr>
             <a:r>
-              <a:rPr lang="en-US" sz="3200">
+              <a:rPr lang="en-US" sz="3200" dirty="0">
                 <a:solidFill>
                   <a:srgbClr val="000000"/>
                 </a:solidFill>
@@ -5310,7 +5139,7 @@
               <a:t>I</a:t>
             </a:r>
             <a:r>
-              <a:rPr lang="en-US" sz="3200">
+              <a:rPr lang="en-US" sz="3200" dirty="0">
                 <a:solidFill>
                   <a:srgbClr val="000000"/>
                 </a:solidFill>
@@ -5325,17 +5154,23 @@
                 <a:spcPts val="4310"/>
               </a:lnSpc>
             </a:pPr>
-          </a:p>
-        </p:txBody>
-      </p:sp>
-      <p:sp>
-        <p:nvSpPr>
-          <p:cNvPr name="TextBox 8" id="8"/>
-          <p:cNvSpPr txBox="true"/>
+            <a:endParaRPr lang="en-US" sz="3200" dirty="0">
+              <a:solidFill>
+                <a:srgbClr val="000000"/>
+              </a:solidFill>
+              <a:latin typeface="Roboto Bold"/>
+            </a:endParaRPr>
+          </a:p>
+        </p:txBody>
+      </p:sp>
+      <p:sp>
+        <p:nvSpPr>
+          <p:cNvPr id="8" name="TextBox 8"/>
+          <p:cNvSpPr txBox="1"/>
           <p:nvPr/>
         </p:nvSpPr>
         <p:spPr>
-          <a:xfrm rot="0">
+          <a:xfrm>
             <a:off x="3468258" y="498991"/>
             <a:ext cx="12754846" cy="1350526"/>
           </a:xfrm>
@@ -5344,7 +5179,7 @@
           </a:prstGeom>
         </p:spPr>
         <p:txBody>
-          <a:bodyPr anchor="t" rtlCol="false" tIns="0" lIns="0" bIns="0" rIns="0">
+          <a:bodyPr lIns="0" tIns="0" rIns="0" bIns="0" rtlCol="0" anchor="t">
             <a:spAutoFit/>
           </a:bodyPr>
           <a:lstStyle/>
@@ -5375,164 +5210,7 @@
 </file>
 
 <file path=ppt/slides/slide7.xml><?xml version="1.0" encoding="utf-8"?>
-<p:sld xmlns:p="http://schemas.openxmlformats.org/presentationml/2006/main" xmlns:a="http://schemas.openxmlformats.org/drawingml/2006/main">
-  <p:cSld>
-    <p:bg>
-      <p:bgPr>
-        <a:solidFill>
-          <a:srgbClr val="AEAEAE"/>
-        </a:solidFill>
-      </p:bgPr>
-    </p:bg>
-    <p:spTree>
-      <p:nvGrpSpPr>
-        <p:cNvPr id="1" name=""/>
-        <p:cNvGrpSpPr/>
-        <p:nvPr/>
-      </p:nvGrpSpPr>
-      <p:grpSpPr>
-        <a:xfrm>
-          <a:off x="0" y="0"/>
-          <a:ext cx="0" cy="0"/>
-          <a:chOff x="0" y="0"/>
-          <a:chExt cx="0" cy="0"/>
-        </a:xfrm>
-      </p:grpSpPr>
-      <p:sp>
-        <p:nvSpPr>
-          <p:cNvPr name="TextBox 2" id="2"/>
-          <p:cNvSpPr txBox="true"/>
-          <p:nvPr/>
-        </p:nvSpPr>
-        <p:spPr>
-          <a:xfrm rot="0">
-            <a:off x="5024739" y="4074043"/>
-            <a:ext cx="6575346" cy="2132133"/>
-          </a:xfrm>
-          <a:prstGeom prst="rect">
-            <a:avLst/>
-          </a:prstGeom>
-        </p:spPr>
-        <p:txBody>
-          <a:bodyPr anchor="t" rtlCol="false" tIns="0" lIns="0" bIns="0" rIns="0">
-            <a:spAutoFit/>
-          </a:bodyPr>
-          <a:lstStyle/>
-          <a:p>
-            <a:pPr algn="ctr">
-              <a:lnSpc>
-                <a:spcPts val="17399"/>
-              </a:lnSpc>
-            </a:pPr>
-            <a:r>
-              <a:rPr lang="en-US" sz="12428">
-                <a:solidFill>
-                  <a:srgbClr val="000000"/>
-                </a:solidFill>
-                <a:latin typeface="Shrikhand"/>
-              </a:rPr>
-              <a:t>DEMO..!</a:t>
-            </a:r>
-          </a:p>
-        </p:txBody>
-      </p:sp>
-      <p:grpSp>
-        <p:nvGrpSpPr>
-          <p:cNvPr name="Group 3" id="3"/>
-          <p:cNvGrpSpPr/>
-          <p:nvPr/>
-        </p:nvGrpSpPr>
-        <p:grpSpPr>
-          <a:xfrm rot="0">
-            <a:off x="1028700" y="1028700"/>
-            <a:ext cx="367402" cy="346352"/>
-            <a:chOff x="0" y="0"/>
-            <a:chExt cx="489869" cy="461803"/>
-          </a:xfrm>
-        </p:grpSpPr>
-        <p:sp>
-          <p:nvSpPr>
-            <p:cNvPr name="AutoShape 4" id="4"/>
-            <p:cNvSpPr/>
-            <p:nvPr/>
-          </p:nvSpPr>
-          <p:spPr>
-            <a:xfrm rot="0">
-              <a:off x="0" y="0"/>
-              <a:ext cx="489869" cy="0"/>
-            </a:xfrm>
-            <a:prstGeom prst="line">
-              <a:avLst/>
-            </a:prstGeom>
-            <a:ln cap="rnd" w="50872">
-              <a:solidFill>
-                <a:srgbClr val="000000"/>
-              </a:solidFill>
-              <a:prstDash val="solid"/>
-              <a:headEnd type="none" len="sm" w="sm"/>
-              <a:tailEnd type="none" len="sm" w="sm"/>
-            </a:ln>
-          </p:spPr>
-        </p:sp>
-        <p:sp>
-          <p:nvSpPr>
-            <p:cNvPr name="AutoShape 5" id="5"/>
-            <p:cNvSpPr/>
-            <p:nvPr/>
-          </p:nvSpPr>
-          <p:spPr>
-            <a:xfrm rot="0">
-              <a:off x="0" y="205275"/>
-              <a:ext cx="489869" cy="0"/>
-            </a:xfrm>
-            <a:prstGeom prst="line">
-              <a:avLst/>
-            </a:prstGeom>
-            <a:ln cap="rnd" w="50872">
-              <a:solidFill>
-                <a:srgbClr val="000000"/>
-              </a:solidFill>
-              <a:prstDash val="solid"/>
-              <a:headEnd type="none" len="sm" w="sm"/>
-              <a:tailEnd type="none" len="sm" w="sm"/>
-            </a:ln>
-          </p:spPr>
-        </p:sp>
-        <p:sp>
-          <p:nvSpPr>
-            <p:cNvPr name="AutoShape 6" id="6"/>
-            <p:cNvSpPr/>
-            <p:nvPr/>
-          </p:nvSpPr>
-          <p:spPr>
-            <a:xfrm rot="0">
-              <a:off x="0" y="410931"/>
-              <a:ext cx="489869" cy="0"/>
-            </a:xfrm>
-            <a:prstGeom prst="line">
-              <a:avLst/>
-            </a:prstGeom>
-            <a:ln cap="rnd" w="50872">
-              <a:solidFill>
-                <a:srgbClr val="000000"/>
-              </a:solidFill>
-              <a:prstDash val="solid"/>
-              <a:headEnd type="none" len="sm" w="sm"/>
-              <a:tailEnd type="none" len="sm" w="sm"/>
-            </a:ln>
-          </p:spPr>
-        </p:sp>
-      </p:grpSp>
-    </p:spTree>
-  </p:cSld>
-  <p:clrMapOvr>
-    <a:masterClrMapping/>
-  </p:clrMapOvr>
-</p:sld>
-</file>
-
-<file path=ppt/slides/slide8.xml><?xml version="1.0" encoding="utf-8"?>
-<p:sld xmlns:p="http://schemas.openxmlformats.org/presentationml/2006/main" xmlns:a="http://schemas.openxmlformats.org/drawingml/2006/main" xmlns:r="http://schemas.openxmlformats.org/officeDocument/2006/relationships">
+<p:sld xmlns:a="http://schemas.openxmlformats.org/drawingml/2006/main" xmlns:r="http://schemas.openxmlformats.org/officeDocument/2006/relationships" xmlns:p="http://schemas.openxmlformats.org/presentationml/2006/main">
   <p:cSld>
     <p:spTree>
       <p:nvGrpSpPr>
@@ -5550,12 +5228,12 @@
       </p:grpSpPr>
       <p:grpSp>
         <p:nvGrpSpPr>
-          <p:cNvPr name="Group 2" id="2"/>
+          <p:cNvPr id="2" name="Group 2"/>
           <p:cNvGrpSpPr/>
           <p:nvPr/>
         </p:nvGrpSpPr>
         <p:grpSpPr>
-          <a:xfrm rot="0">
+          <a:xfrm>
             <a:off x="1028700" y="1028700"/>
             <a:ext cx="367402" cy="346352"/>
             <a:chOff x="0" y="0"/>
@@ -5564,94 +5242,94 @@
         </p:grpSpPr>
         <p:sp>
           <p:nvSpPr>
-            <p:cNvPr name="AutoShape 3" id="3"/>
+            <p:cNvPr id="3" name="AutoShape 3"/>
             <p:cNvSpPr/>
             <p:nvPr/>
           </p:nvSpPr>
           <p:spPr>
-            <a:xfrm rot="0">
+            <a:xfrm>
               <a:off x="0" y="0"/>
               <a:ext cx="489869" cy="0"/>
             </a:xfrm>
             <a:prstGeom prst="line">
               <a:avLst/>
             </a:prstGeom>
-            <a:ln cap="rnd" w="50872">
+            <a:ln w="50872" cap="rnd">
               <a:solidFill>
                 <a:srgbClr val="000000"/>
               </a:solidFill>
               <a:prstDash val="solid"/>
-              <a:headEnd type="none" len="sm" w="sm"/>
-              <a:tailEnd type="none" len="sm" w="sm"/>
+              <a:headEnd type="none" w="sm" len="sm"/>
+              <a:tailEnd type="none" w="sm" len="sm"/>
             </a:ln>
           </p:spPr>
         </p:sp>
         <p:sp>
           <p:nvSpPr>
-            <p:cNvPr name="AutoShape 4" id="4"/>
+            <p:cNvPr id="4" name="AutoShape 4"/>
             <p:cNvSpPr/>
             <p:nvPr/>
           </p:nvSpPr>
           <p:spPr>
-            <a:xfrm rot="0">
+            <a:xfrm>
               <a:off x="0" y="205275"/>
               <a:ext cx="489869" cy="0"/>
             </a:xfrm>
             <a:prstGeom prst="line">
               <a:avLst/>
             </a:prstGeom>
-            <a:ln cap="rnd" w="50872">
+            <a:ln w="50872" cap="rnd">
               <a:solidFill>
                 <a:srgbClr val="000000"/>
               </a:solidFill>
               <a:prstDash val="solid"/>
-              <a:headEnd type="none" len="sm" w="sm"/>
-              <a:tailEnd type="none" len="sm" w="sm"/>
+              <a:headEnd type="none" w="sm" len="sm"/>
+              <a:tailEnd type="none" w="sm" len="sm"/>
             </a:ln>
           </p:spPr>
         </p:sp>
         <p:sp>
           <p:nvSpPr>
-            <p:cNvPr name="AutoShape 5" id="5"/>
+            <p:cNvPr id="5" name="AutoShape 5"/>
             <p:cNvSpPr/>
             <p:nvPr/>
           </p:nvSpPr>
           <p:spPr>
-            <a:xfrm rot="0">
+            <a:xfrm>
               <a:off x="0" y="410931"/>
               <a:ext cx="489869" cy="0"/>
             </a:xfrm>
             <a:prstGeom prst="line">
               <a:avLst/>
             </a:prstGeom>
-            <a:ln cap="rnd" w="50872">
+            <a:ln w="50872" cap="rnd">
               <a:solidFill>
                 <a:srgbClr val="000000"/>
               </a:solidFill>
               <a:prstDash val="solid"/>
-              <a:headEnd type="none" len="sm" w="sm"/>
-              <a:tailEnd type="none" len="sm" w="sm"/>
+              <a:headEnd type="none" w="sm" len="sm"/>
+              <a:tailEnd type="none" w="sm" len="sm"/>
             </a:ln>
           </p:spPr>
         </p:sp>
       </p:grpSp>
       <p:pic>
         <p:nvPicPr>
-          <p:cNvPr name="Picture 6" id="6"/>
+          <p:cNvPr id="6" name="Picture 6"/>
           <p:cNvPicPr>
-            <a:picLocks noChangeAspect="true"/>
+            <a:picLocks noChangeAspect="1"/>
           </p:cNvPicPr>
           <p:nvPr/>
         </p:nvPicPr>
         <p:blipFill>
           <a:blip r:embed="rId2"/>
-          <a:srcRect l="0" t="0" r="0" b="9926"/>
+          <a:srcRect b="9926"/>
           <a:stretch>
             <a:fillRect/>
           </a:stretch>
         </p:blipFill>
         <p:spPr>
-          <a:xfrm flipH="false" flipV="false" rot="0">
+          <a:xfrm>
             <a:off x="13458034" y="641780"/>
             <a:ext cx="3801266" cy="2853265"/>
           </a:xfrm>
@@ -5662,26 +5340,26 @@
       </p:pic>
       <p:sp>
         <p:nvSpPr>
-          <p:cNvPr name="TextBox 7" id="7"/>
-          <p:cNvSpPr txBox="true"/>
+          <p:cNvPr id="7" name="TextBox 7"/>
+          <p:cNvSpPr txBox="1"/>
           <p:nvPr/>
         </p:nvSpPr>
         <p:spPr>
-          <a:xfrm rot="0">
+          <a:xfrm>
             <a:off x="1212401" y="2892120"/>
-            <a:ext cx="15420543" cy="5929664"/>
+            <a:ext cx="15703999" cy="5501506"/>
           </a:xfrm>
           <a:prstGeom prst="rect">
             <a:avLst/>
           </a:prstGeom>
         </p:spPr>
         <p:txBody>
-          <a:bodyPr anchor="t" rtlCol="false" tIns="0" lIns="0" bIns="0" rIns="0">
+          <a:bodyPr wrap="square" lIns="0" tIns="0" rIns="0" bIns="0" rtlCol="0" anchor="t">
             <a:spAutoFit/>
           </a:bodyPr>
           <a:lstStyle/>
           <a:p>
-            <a:pPr marL="723361" indent="-361681" lvl="1">
+            <a:pPr marL="723361" lvl="1" indent="-361681">
               <a:lnSpc>
                 <a:spcPts val="3886"/>
               </a:lnSpc>
@@ -5689,7 +5367,7 @@
               <a:buChar char="•"/>
             </a:pPr>
             <a:r>
-              <a:rPr lang="en-US" sz="3350">
+              <a:rPr lang="en-US" sz="3350" dirty="0">
                 <a:solidFill>
                   <a:srgbClr val="000000"/>
                 </a:solidFill>
@@ -5704,9 +5382,15 @@
                 <a:spcPts val="3886"/>
               </a:lnSpc>
             </a:pPr>
-          </a:p>
-          <a:p>
-            <a:pPr marL="723361" indent="-361681" lvl="1">
+            <a:endParaRPr lang="en-US" sz="3350" dirty="0">
+              <a:solidFill>
+                <a:srgbClr val="000000"/>
+              </a:solidFill>
+              <a:latin typeface="Roboto Bold"/>
+            </a:endParaRPr>
+          </a:p>
+          <a:p>
+            <a:pPr marL="723361" lvl="1" indent="-361681">
               <a:lnSpc>
                 <a:spcPts val="3886"/>
               </a:lnSpc>
@@ -5714,7 +5398,7 @@
               <a:buChar char="•"/>
             </a:pPr>
             <a:r>
-              <a:rPr lang="en-US" sz="3350">
+              <a:rPr lang="en-US" sz="3350" dirty="0">
                 <a:solidFill>
                   <a:srgbClr val="000000"/>
                 </a:solidFill>
@@ -5729,9 +5413,15 @@
                 <a:spcPts val="3886"/>
               </a:lnSpc>
             </a:pPr>
-          </a:p>
-          <a:p>
-            <a:pPr marL="723361" indent="-361681" lvl="1">
+            <a:endParaRPr lang="en-US" sz="3350" dirty="0">
+              <a:solidFill>
+                <a:srgbClr val="000000"/>
+              </a:solidFill>
+              <a:latin typeface="Roboto Bold"/>
+            </a:endParaRPr>
+          </a:p>
+          <a:p>
+            <a:pPr marL="723361" lvl="1" indent="-361681">
               <a:lnSpc>
                 <a:spcPts val="3886"/>
               </a:lnSpc>
@@ -5739,13 +5429,13 @@
               <a:buChar char="•"/>
             </a:pPr>
             <a:r>
-              <a:rPr lang="en-US" sz="3350">
+              <a:rPr lang="en-US" sz="3350" dirty="0">
                 <a:solidFill>
                   <a:srgbClr val="000000"/>
                 </a:solidFill>
                 <a:latin typeface="Roboto Bold"/>
               </a:rPr>
-              <a:t>According to the traffic, it provides the required time for drivers in all directions.</a:t>
+              <a:t>Provision of required time for drivers in all directions, according to the traffic</a:t>
             </a:r>
           </a:p>
           <a:p>
@@ -5754,9 +5444,15 @@
                 <a:spcPts val="3886"/>
               </a:lnSpc>
             </a:pPr>
-          </a:p>
-          <a:p>
-            <a:pPr marL="723361" indent="-361681" lvl="1">
+            <a:endParaRPr lang="en-US" sz="3350" dirty="0">
+              <a:solidFill>
+                <a:srgbClr val="000000"/>
+              </a:solidFill>
+              <a:latin typeface="Roboto Bold"/>
+            </a:endParaRPr>
+          </a:p>
+          <a:p>
+            <a:pPr marL="723361" lvl="1" indent="-361681">
               <a:lnSpc>
                 <a:spcPts val="3886"/>
               </a:lnSpc>
@@ -5764,7 +5460,7 @@
               <a:buChar char="•"/>
             </a:pPr>
             <a:r>
-              <a:rPr lang="en-US" sz="3350">
+              <a:rPr lang="en-US" sz="3350" dirty="0">
                 <a:solidFill>
                   <a:srgbClr val="000000"/>
                 </a:solidFill>
@@ -5779,9 +5475,15 @@
                 <a:spcPts val="3886"/>
               </a:lnSpc>
             </a:pPr>
-          </a:p>
-          <a:p>
-            <a:pPr marL="723361" indent="-361681" lvl="1">
+            <a:endParaRPr lang="en-US" sz="3350" dirty="0">
+              <a:solidFill>
+                <a:srgbClr val="000000"/>
+              </a:solidFill>
+              <a:latin typeface="Roboto Bold"/>
+            </a:endParaRPr>
+          </a:p>
+          <a:p>
+            <a:pPr marL="723361" lvl="1" indent="-361681">
               <a:lnSpc>
                 <a:spcPts val="3886"/>
               </a:lnSpc>
@@ -5789,7 +5491,7 @@
               <a:buChar char="•"/>
             </a:pPr>
             <a:r>
-              <a:rPr lang="en-US" sz="3350">
+              <a:rPr lang="en-US" sz="3350" dirty="0">
                 <a:solidFill>
                   <a:srgbClr val="000000"/>
                 </a:solidFill>
@@ -5804,9 +5506,15 @@
                 <a:spcPts val="3886"/>
               </a:lnSpc>
             </a:pPr>
-          </a:p>
-          <a:p>
-            <a:pPr marL="723361" indent="-361681" lvl="1">
+            <a:endParaRPr lang="en-US" sz="3350" dirty="0">
+              <a:solidFill>
+                <a:srgbClr val="000000"/>
+              </a:solidFill>
+              <a:latin typeface="Roboto Bold"/>
+            </a:endParaRPr>
+          </a:p>
+          <a:p>
+            <a:pPr marL="723361" lvl="1" indent="-361681">
               <a:lnSpc>
                 <a:spcPts val="3886"/>
               </a:lnSpc>
@@ -5814,7 +5522,7 @@
               <a:buChar char="•"/>
             </a:pPr>
             <a:r>
-              <a:rPr lang="en-US" sz="3350">
+              <a:rPr lang="en-US" sz="3350" dirty="0">
                 <a:solidFill>
                   <a:srgbClr val="000000"/>
                 </a:solidFill>
@@ -5827,12 +5535,12 @@
       </p:sp>
       <p:sp>
         <p:nvSpPr>
-          <p:cNvPr name="TextBox 8" id="8"/>
-          <p:cNvSpPr txBox="true"/>
+          <p:cNvPr id="8" name="TextBox 8"/>
+          <p:cNvSpPr txBox="1"/>
           <p:nvPr/>
         </p:nvSpPr>
         <p:spPr>
-          <a:xfrm rot="0">
+          <a:xfrm>
             <a:off x="1897481" y="672167"/>
             <a:ext cx="12754846" cy="1350526"/>
           </a:xfrm>
@@ -5841,7 +5549,7 @@
           </a:prstGeom>
         </p:spPr>
         <p:txBody>
-          <a:bodyPr anchor="t" rtlCol="false" tIns="0" lIns="0" bIns="0" rIns="0">
+          <a:bodyPr lIns="0" tIns="0" rIns="0" bIns="0" rtlCol="0" anchor="t">
             <a:spAutoFit/>
           </a:bodyPr>
           <a:lstStyle/>
@@ -5871,8 +5579,8 @@
 </p:sld>
 </file>
 
-<file path=ppt/slides/slide9.xml><?xml version="1.0" encoding="utf-8"?>
-<p:sld xmlns:p="http://schemas.openxmlformats.org/presentationml/2006/main" xmlns:a="http://schemas.openxmlformats.org/drawingml/2006/main" xmlns:r="http://schemas.openxmlformats.org/officeDocument/2006/relationships">
+<file path=ppt/slides/slide8.xml><?xml version="1.0" encoding="utf-8"?>
+<p:sld xmlns:a="http://schemas.openxmlformats.org/drawingml/2006/main" xmlns:r="http://schemas.openxmlformats.org/officeDocument/2006/relationships" xmlns:p="http://schemas.openxmlformats.org/presentationml/2006/main">
   <p:cSld>
     <p:spTree>
       <p:nvGrpSpPr>
@@ -5890,13 +5598,13 @@
       </p:grpSpPr>
       <p:sp>
         <p:nvSpPr>
-          <p:cNvPr name="TextBox 2" id="2"/>
-          <p:cNvSpPr txBox="true"/>
+          <p:cNvPr id="2" name="TextBox 2"/>
+          <p:cNvSpPr txBox="1"/>
           <p:nvPr/>
         </p:nvSpPr>
         <p:spPr>
-          <a:xfrm rot="0">
-            <a:off x="1028700" y="2112564"/>
+          <a:xfrm>
+            <a:off x="1028700" y="2022693"/>
             <a:ext cx="12507830" cy="8014303"/>
           </a:xfrm>
           <a:prstGeom prst="rect">
@@ -5904,12 +5612,12 @@
           </a:prstGeom>
         </p:spPr>
         <p:txBody>
-          <a:bodyPr anchor="t" rtlCol="false" tIns="0" lIns="0" bIns="0" rIns="0">
+          <a:bodyPr lIns="0" tIns="0" rIns="0" bIns="0" rtlCol="0" anchor="t">
             <a:spAutoFit/>
           </a:bodyPr>
           <a:lstStyle/>
           <a:p>
-            <a:pPr marL="690879" indent="-345439" lvl="1">
+            <a:pPr marL="690879" lvl="1" indent="-345439">
               <a:lnSpc>
                 <a:spcPts val="4863"/>
               </a:lnSpc>
@@ -5917,7 +5625,7 @@
               <a:buChar char="•"/>
             </a:pPr>
             <a:r>
-              <a:rPr lang="en-US" sz="3199">
+              <a:rPr lang="en-US" sz="3199" dirty="0">
                 <a:solidFill>
                   <a:srgbClr val="000000"/>
                 </a:solidFill>
@@ -5932,9 +5640,15 @@
                 <a:spcPts val="4863"/>
               </a:lnSpc>
             </a:pPr>
-          </a:p>
-          <a:p>
-            <a:pPr marL="690879" indent="-345439" lvl="1">
+            <a:endParaRPr lang="en-US" sz="3199" dirty="0">
+              <a:solidFill>
+                <a:srgbClr val="000000"/>
+              </a:solidFill>
+              <a:latin typeface="Arimo Bold"/>
+            </a:endParaRPr>
+          </a:p>
+          <a:p>
+            <a:pPr marL="690879" lvl="1" indent="-345439">
               <a:lnSpc>
                 <a:spcPts val="4863"/>
               </a:lnSpc>
@@ -5942,7 +5656,7 @@
               <a:buChar char="•"/>
             </a:pPr>
             <a:r>
-              <a:rPr lang="en-US" sz="3199">
+              <a:rPr lang="en-US" sz="3199" dirty="0">
                 <a:solidFill>
                   <a:srgbClr val="000000"/>
                 </a:solidFill>
@@ -5957,9 +5671,15 @@
                 <a:spcPts val="4863"/>
               </a:lnSpc>
             </a:pPr>
-          </a:p>
-          <a:p>
-            <a:pPr marL="690879" indent="-345439" lvl="1">
+            <a:endParaRPr lang="en-US" sz="3199" dirty="0">
+              <a:solidFill>
+                <a:srgbClr val="000000"/>
+              </a:solidFill>
+              <a:latin typeface="Arimo Bold"/>
+            </a:endParaRPr>
+          </a:p>
+          <a:p>
+            <a:pPr marL="690879" lvl="1" indent="-345439">
               <a:lnSpc>
                 <a:spcPts val="4863"/>
               </a:lnSpc>
@@ -5967,7 +5687,7 @@
               <a:buChar char="•"/>
             </a:pPr>
             <a:r>
-              <a:rPr lang="en-US" sz="3199">
+              <a:rPr lang="en-US" sz="3199" dirty="0">
                 <a:solidFill>
                   <a:srgbClr val="000000"/>
                 </a:solidFill>
@@ -5982,26 +5702,32 @@
                 <a:spcPts val="4863"/>
               </a:lnSpc>
             </a:pPr>
+            <a:endParaRPr lang="en-US" sz="3199" dirty="0">
+              <a:solidFill>
+                <a:srgbClr val="000000"/>
+              </a:solidFill>
+              <a:latin typeface="Arimo Bold"/>
+            </a:endParaRPr>
           </a:p>
         </p:txBody>
       </p:sp>
       <p:pic>
         <p:nvPicPr>
-          <p:cNvPr name="Picture 3" id="3"/>
+          <p:cNvPr id="3" name="Picture 3"/>
           <p:cNvPicPr>
-            <a:picLocks noChangeAspect="true"/>
+            <a:picLocks noChangeAspect="1"/>
           </p:cNvPicPr>
           <p:nvPr/>
         </p:nvPicPr>
         <p:blipFill>
           <a:blip r:embed="rId2"/>
-          <a:srcRect l="0" t="0" r="2685" b="12731"/>
+          <a:srcRect r="2685" b="12731"/>
           <a:stretch>
             <a:fillRect/>
           </a:stretch>
         </p:blipFill>
         <p:spPr>
-          <a:xfrm flipH="false" flipV="false" rot="0">
+          <a:xfrm>
             <a:off x="13574949" y="2458512"/>
             <a:ext cx="4713051" cy="4399426"/>
           </a:xfrm>
@@ -6012,12 +5738,12 @@
       </p:pic>
       <p:sp>
         <p:nvSpPr>
-          <p:cNvPr name="TextBox 4" id="4"/>
-          <p:cNvSpPr txBox="true"/>
+          <p:cNvPr id="4" name="TextBox 4"/>
+          <p:cNvSpPr txBox="1"/>
           <p:nvPr/>
         </p:nvSpPr>
         <p:spPr>
-          <a:xfrm rot="0">
+          <a:xfrm>
             <a:off x="1897481" y="672167"/>
             <a:ext cx="12754846" cy="1350526"/>
           </a:xfrm>
@@ -6026,7 +5752,7 @@
           </a:prstGeom>
         </p:spPr>
         <p:txBody>
-          <a:bodyPr anchor="t" rtlCol="false" tIns="0" lIns="0" bIns="0" rIns="0">
+          <a:bodyPr lIns="0" tIns="0" rIns="0" bIns="0" rtlCol="0" anchor="t">
             <a:spAutoFit/>
           </a:bodyPr>
           <a:lstStyle/>
@@ -6050,12 +5776,12 @@
       </p:sp>
       <p:grpSp>
         <p:nvGrpSpPr>
-          <p:cNvPr name="Group 5" id="5"/>
+          <p:cNvPr id="5" name="Group 5"/>
           <p:cNvGrpSpPr/>
           <p:nvPr/>
         </p:nvGrpSpPr>
         <p:grpSpPr>
-          <a:xfrm rot="0">
+          <a:xfrm>
             <a:off x="1028700" y="1028700"/>
             <a:ext cx="367402" cy="346352"/>
             <a:chOff x="0" y="0"/>
@@ -6064,77 +5790,190 @@
         </p:grpSpPr>
         <p:sp>
           <p:nvSpPr>
-            <p:cNvPr name="AutoShape 6" id="6"/>
+            <p:cNvPr id="6" name="AutoShape 6"/>
             <p:cNvSpPr/>
             <p:nvPr/>
           </p:nvSpPr>
           <p:spPr>
-            <a:xfrm rot="0">
+            <a:xfrm>
               <a:off x="0" y="0"/>
               <a:ext cx="489869" cy="0"/>
             </a:xfrm>
             <a:prstGeom prst="line">
               <a:avLst/>
             </a:prstGeom>
-            <a:ln cap="rnd" w="50872">
+            <a:ln w="50872" cap="rnd">
               <a:solidFill>
                 <a:srgbClr val="000000"/>
               </a:solidFill>
               <a:prstDash val="solid"/>
-              <a:headEnd type="none" len="sm" w="sm"/>
-              <a:tailEnd type="none" len="sm" w="sm"/>
+              <a:headEnd type="none" w="sm" len="sm"/>
+              <a:tailEnd type="none" w="sm" len="sm"/>
             </a:ln>
           </p:spPr>
         </p:sp>
         <p:sp>
           <p:nvSpPr>
-            <p:cNvPr name="AutoShape 7" id="7"/>
+            <p:cNvPr id="7" name="AutoShape 7"/>
             <p:cNvSpPr/>
             <p:nvPr/>
           </p:nvSpPr>
           <p:spPr>
-            <a:xfrm rot="0">
+            <a:xfrm>
               <a:off x="0" y="205275"/>
               <a:ext cx="489869" cy="0"/>
             </a:xfrm>
             <a:prstGeom prst="line">
               <a:avLst/>
             </a:prstGeom>
-            <a:ln cap="rnd" w="50872">
+            <a:ln w="50872" cap="rnd">
               <a:solidFill>
                 <a:srgbClr val="000000"/>
               </a:solidFill>
               <a:prstDash val="solid"/>
-              <a:headEnd type="none" len="sm" w="sm"/>
-              <a:tailEnd type="none" len="sm" w="sm"/>
+              <a:headEnd type="none" w="sm" len="sm"/>
+              <a:tailEnd type="none" w="sm" len="sm"/>
             </a:ln>
           </p:spPr>
         </p:sp>
         <p:sp>
           <p:nvSpPr>
-            <p:cNvPr name="AutoShape 8" id="8"/>
+            <p:cNvPr id="8" name="AutoShape 8"/>
             <p:cNvSpPr/>
             <p:nvPr/>
           </p:nvSpPr>
           <p:spPr>
-            <a:xfrm rot="0">
+            <a:xfrm>
               <a:off x="0" y="410931"/>
               <a:ext cx="489869" cy="0"/>
             </a:xfrm>
             <a:prstGeom prst="line">
               <a:avLst/>
             </a:prstGeom>
-            <a:ln cap="rnd" w="50872">
+            <a:ln w="50872" cap="rnd">
               <a:solidFill>
                 <a:srgbClr val="000000"/>
               </a:solidFill>
               <a:prstDash val="solid"/>
-              <a:headEnd type="none" len="sm" w="sm"/>
-              <a:tailEnd type="none" len="sm" w="sm"/>
+              <a:headEnd type="none" w="sm" len="sm"/>
+              <a:tailEnd type="none" w="sm" len="sm"/>
             </a:ln>
           </p:spPr>
         </p:sp>
       </p:grpSp>
+    </p:spTree>
+  </p:cSld>
+  <p:clrMapOvr>
+    <a:masterClrMapping/>
+  </p:clrMapOvr>
+</p:sld>
+</file>
+
+<file path=ppt/slides/slide9.xml><?xml version="1.0" encoding="utf-8"?>
+<p:sld xmlns:a="http://schemas.openxmlformats.org/drawingml/2006/main" xmlns:r="http://schemas.openxmlformats.org/officeDocument/2006/relationships" xmlns:p="http://schemas.openxmlformats.org/presentationml/2006/main">
+  <p:cSld>
+    <p:spTree>
+      <p:nvGrpSpPr>
+        <p:cNvPr id="1" name=""/>
+        <p:cNvGrpSpPr/>
+        <p:nvPr/>
+      </p:nvGrpSpPr>
+      <p:grpSpPr>
+        <a:xfrm>
+          <a:off x="0" y="0"/>
+          <a:ext cx="0" cy="0"/>
+          <a:chOff x="0" y="0"/>
+          <a:chExt cx="0" cy="0"/>
+        </a:xfrm>
+      </p:grpSpPr>
+      <p:pic>
+        <p:nvPicPr>
+          <p:cNvPr id="2" name="Picture 2"/>
+          <p:cNvPicPr>
+            <a:picLocks noChangeAspect="1"/>
+          </p:cNvPicPr>
+          <p:nvPr/>
+        </p:nvPicPr>
+        <p:blipFill>
+          <a:blip r:embed="rId2"/>
+          <a:srcRect l="4238" r="5695" b="16906"/>
+          <a:stretch>
+            <a:fillRect/>
+          </a:stretch>
+        </p:blipFill>
+        <p:spPr>
+          <a:xfrm>
+            <a:off x="10118534" y="5682795"/>
+            <a:ext cx="7140766" cy="4604205"/>
+          </a:xfrm>
+          <a:prstGeom prst="rect">
+            <a:avLst/>
+          </a:prstGeom>
+        </p:spPr>
+      </p:pic>
+      <p:pic>
+        <p:nvPicPr>
+          <p:cNvPr id="3" name="Picture 3"/>
+          <p:cNvPicPr>
+            <a:picLocks noChangeAspect="1"/>
+          </p:cNvPicPr>
+          <p:nvPr/>
+        </p:nvPicPr>
+        <p:blipFill>
+          <a:blip r:embed="rId3"/>
+          <a:srcRect l="19869" t="3076" r="21129" b="7302"/>
+          <a:stretch>
+            <a:fillRect/>
+          </a:stretch>
+        </p:blipFill>
+        <p:spPr>
+          <a:xfrm rot="300746">
+            <a:off x="16335314" y="1152065"/>
+            <a:ext cx="1847973" cy="4650731"/>
+          </a:xfrm>
+          <a:prstGeom prst="rect">
+            <a:avLst/>
+          </a:prstGeom>
+        </p:spPr>
+      </p:pic>
+      <p:sp>
+        <p:nvSpPr>
+          <p:cNvPr id="5" name="TextBox 5"/>
+          <p:cNvSpPr txBox="1"/>
+          <p:nvPr/>
+        </p:nvSpPr>
+        <p:spPr>
+          <a:xfrm>
+            <a:off x="3682719" y="3477430"/>
+            <a:ext cx="9444385" cy="1409105"/>
+          </a:xfrm>
+          <a:prstGeom prst="rect">
+            <a:avLst/>
+          </a:prstGeom>
+        </p:spPr>
+        <p:txBody>
+          <a:bodyPr lIns="0" tIns="0" rIns="0" bIns="0" rtlCol="0" anchor="t">
+            <a:spAutoFit/>
+          </a:bodyPr>
+          <a:lstStyle/>
+          <a:p>
+            <a:pPr algn="ctr">
+              <a:lnSpc>
+                <a:spcPts val="11039"/>
+              </a:lnSpc>
+            </a:pPr>
+            <a:r>
+              <a:rPr lang="en-US" sz="9199" dirty="0">
+                <a:solidFill>
+                  <a:srgbClr val="000000"/>
+                </a:solidFill>
+                <a:latin typeface="Roboto Bold"/>
+              </a:rPr>
+              <a:t>Thank you!</a:t>
+            </a:r>
+          </a:p>
+        </p:txBody>
+      </p:sp>
     </p:spTree>
   </p:cSld>
   <p:clrMapOvr>

--- a/presentation/Automatic traffic signalling system.pptx
+++ b/presentation/Automatic traffic signalling system.pptx
@@ -3684,13 +3684,13 @@
               </a:spcBef>
             </a:pPr>
             <a:r>
-              <a:rPr lang="en-US" sz="3200">
+              <a:rPr lang="en-US" sz="3200" dirty="0">
                 <a:solidFill>
                   <a:srgbClr val="000000"/>
                 </a:solidFill>
                 <a:latin typeface="Roboto Bold"/>
               </a:rPr>
-              <a:t>Traffic systems will change the signals according to the traffic, for instance, instead of round-robin schedules.</a:t>
+              <a:t>Traffic systems will change the signals according to the traffic, for instance, instead of fixed round-robin schedules.</a:t>
             </a:r>
           </a:p>
         </p:txBody>
@@ -3725,7 +3725,7 @@
               </a:spcBef>
             </a:pPr>
             <a:r>
-              <a:rPr lang="en-US" sz="3199">
+              <a:rPr lang="en-US" sz="3199" dirty="0">
                 <a:solidFill>
                   <a:srgbClr val="000000"/>
                 </a:solidFill>
